--- a/插图/figures.pptx
+++ b/插图/figures.pptx
@@ -6,6 +6,7 @@
   </p:sldMasterIdLst>
   <p:sldIdLst>
     <p:sldId id="256" r:id="rId2"/>
+    <p:sldId id="257" r:id="rId3"/>
   </p:sldIdLst>
   <p:sldSz cx="12192000" cy="6858000"/>
   <p:notesSz cx="6858000" cy="9144000"/>
@@ -259,7 +260,7 @@
           <a:p>
             <a:fld id="{73106CCE-5F7B-4EE2-B513-11FCC00559B2}" type="datetimeFigureOut">
               <a:rPr lang="zh-CN" altLang="en-US" smtClean="0"/>
-              <a:t>2026/2/9</a:t>
+              <a:t>2026/2/12</a:t>
             </a:fld>
             <a:endParaRPr lang="zh-CN" altLang="en-US"/>
           </a:p>
@@ -457,7 +458,7 @@
           <a:p>
             <a:fld id="{73106CCE-5F7B-4EE2-B513-11FCC00559B2}" type="datetimeFigureOut">
               <a:rPr lang="zh-CN" altLang="en-US" smtClean="0"/>
-              <a:t>2026/2/9</a:t>
+              <a:t>2026/2/12</a:t>
             </a:fld>
             <a:endParaRPr lang="zh-CN" altLang="en-US"/>
           </a:p>
@@ -665,7 +666,7 @@
           <a:p>
             <a:fld id="{73106CCE-5F7B-4EE2-B513-11FCC00559B2}" type="datetimeFigureOut">
               <a:rPr lang="zh-CN" altLang="en-US" smtClean="0"/>
-              <a:t>2026/2/9</a:t>
+              <a:t>2026/2/12</a:t>
             </a:fld>
             <a:endParaRPr lang="zh-CN" altLang="en-US"/>
           </a:p>
@@ -863,7 +864,7 @@
           <a:p>
             <a:fld id="{73106CCE-5F7B-4EE2-B513-11FCC00559B2}" type="datetimeFigureOut">
               <a:rPr lang="zh-CN" altLang="en-US" smtClean="0"/>
-              <a:t>2026/2/9</a:t>
+              <a:t>2026/2/12</a:t>
             </a:fld>
             <a:endParaRPr lang="zh-CN" altLang="en-US"/>
           </a:p>
@@ -1138,7 +1139,7 @@
           <a:p>
             <a:fld id="{73106CCE-5F7B-4EE2-B513-11FCC00559B2}" type="datetimeFigureOut">
               <a:rPr lang="zh-CN" altLang="en-US" smtClean="0"/>
-              <a:t>2026/2/9</a:t>
+              <a:t>2026/2/12</a:t>
             </a:fld>
             <a:endParaRPr lang="zh-CN" altLang="en-US"/>
           </a:p>
@@ -1403,7 +1404,7 @@
           <a:p>
             <a:fld id="{73106CCE-5F7B-4EE2-B513-11FCC00559B2}" type="datetimeFigureOut">
               <a:rPr lang="zh-CN" altLang="en-US" smtClean="0"/>
-              <a:t>2026/2/9</a:t>
+              <a:t>2026/2/12</a:t>
             </a:fld>
             <a:endParaRPr lang="zh-CN" altLang="en-US"/>
           </a:p>
@@ -1815,7 +1816,7 @@
           <a:p>
             <a:fld id="{73106CCE-5F7B-4EE2-B513-11FCC00559B2}" type="datetimeFigureOut">
               <a:rPr lang="zh-CN" altLang="en-US" smtClean="0"/>
-              <a:t>2026/2/9</a:t>
+              <a:t>2026/2/12</a:t>
             </a:fld>
             <a:endParaRPr lang="zh-CN" altLang="en-US"/>
           </a:p>
@@ -1956,7 +1957,7 @@
           <a:p>
             <a:fld id="{73106CCE-5F7B-4EE2-B513-11FCC00559B2}" type="datetimeFigureOut">
               <a:rPr lang="zh-CN" altLang="en-US" smtClean="0"/>
-              <a:t>2026/2/9</a:t>
+              <a:t>2026/2/12</a:t>
             </a:fld>
             <a:endParaRPr lang="zh-CN" altLang="en-US"/>
           </a:p>
@@ -2069,7 +2070,7 @@
           <a:p>
             <a:fld id="{73106CCE-5F7B-4EE2-B513-11FCC00559B2}" type="datetimeFigureOut">
               <a:rPr lang="zh-CN" altLang="en-US" smtClean="0"/>
-              <a:t>2026/2/9</a:t>
+              <a:t>2026/2/12</a:t>
             </a:fld>
             <a:endParaRPr lang="zh-CN" altLang="en-US"/>
           </a:p>
@@ -2380,7 +2381,7 @@
           <a:p>
             <a:fld id="{73106CCE-5F7B-4EE2-B513-11FCC00559B2}" type="datetimeFigureOut">
               <a:rPr lang="zh-CN" altLang="en-US" smtClean="0"/>
-              <a:t>2026/2/9</a:t>
+              <a:t>2026/2/12</a:t>
             </a:fld>
             <a:endParaRPr lang="zh-CN" altLang="en-US"/>
           </a:p>
@@ -2668,7 +2669,7 @@
           <a:p>
             <a:fld id="{73106CCE-5F7B-4EE2-B513-11FCC00559B2}" type="datetimeFigureOut">
               <a:rPr lang="zh-CN" altLang="en-US" smtClean="0"/>
-              <a:t>2026/2/9</a:t>
+              <a:t>2026/2/12</a:t>
             </a:fld>
             <a:endParaRPr lang="zh-CN" altLang="en-US"/>
           </a:p>
@@ -2909,7 +2910,7 @@
           <a:p>
             <a:fld id="{73106CCE-5F7B-4EE2-B513-11FCC00559B2}" type="datetimeFigureOut">
               <a:rPr lang="zh-CN" altLang="en-US" smtClean="0"/>
-              <a:t>2026/2/9</a:t>
+              <a:t>2026/2/12</a:t>
             </a:fld>
             <a:endParaRPr lang="zh-CN" altLang="en-US"/>
           </a:p>
@@ -3326,81 +3327,12 @@
           <a:chExt cx="0" cy="0"/>
         </a:xfrm>
       </p:grpSpPr>
-      <p:sp>
-        <p:nvSpPr>
-          <p:cNvPr id="16" name="矩形 15">
-            <a:extLst>
-              <a:ext uri="{FF2B5EF4-FFF2-40B4-BE49-F238E27FC236}">
-                <a16:creationId xmlns:a16="http://schemas.microsoft.com/office/drawing/2014/main" id="{9A9FFC58-9362-B571-ADB4-45924BC5C86E}"/>
-              </a:ext>
-            </a:extLst>
-          </p:cNvPr>
-          <p:cNvSpPr/>
-          <p:nvPr/>
-        </p:nvSpPr>
-        <p:spPr>
-          <a:xfrm>
-            <a:off x="2205108" y="651956"/>
-            <a:ext cx="8801559" cy="369332"/>
-          </a:xfrm>
-          <a:prstGeom prst="rect">
-            <a:avLst/>
-          </a:prstGeom>
-          <a:solidFill>
-            <a:schemeClr val="accent4">
-              <a:lumMod val="20000"/>
-              <a:lumOff val="80000"/>
-            </a:schemeClr>
-          </a:solidFill>
-          <a:ln>
-            <a:solidFill>
-              <a:schemeClr val="accent4">
-                <a:lumMod val="20000"/>
-                <a:lumOff val="80000"/>
-              </a:schemeClr>
-            </a:solidFill>
-          </a:ln>
-        </p:spPr>
-        <p:style>
-          <a:lnRef idx="2">
-            <a:schemeClr val="accent1">
-              <a:shade val="15000"/>
-            </a:schemeClr>
-          </a:lnRef>
-          <a:fillRef idx="1">
-            <a:schemeClr val="accent1"/>
-          </a:fillRef>
-          <a:effectRef idx="0">
-            <a:schemeClr val="accent1"/>
-          </a:effectRef>
-          <a:fontRef idx="minor">
-            <a:schemeClr val="lt1"/>
-          </a:fontRef>
-        </p:style>
-        <p:txBody>
-          <a:bodyPr rtlCol="0" anchor="ctr"/>
-          <a:lstStyle/>
-          <a:p>
-            <a:pPr algn="ctr"/>
-            <a:r>
-              <a:rPr lang="zh-CN" altLang="en-US" sz="1600" b="1" dirty="0">
-                <a:solidFill>
-                  <a:sysClr val="windowText" lastClr="000000"/>
-                </a:solidFill>
-                <a:latin typeface="微软雅黑" panose="020B0503020204020204" pitchFamily="34" charset="-122"/>
-                <a:ea typeface="微软雅黑" panose="020B0503020204020204" pitchFamily="34" charset="-122"/>
-              </a:rPr>
-              <a:t>原子级纳观影像质量提升与分割算法研究</a:t>
-            </a:r>
-          </a:p>
-        </p:txBody>
-      </p:sp>
       <p:grpSp>
         <p:nvGrpSpPr>
-          <p:cNvPr id="4" name="组合 3">
-            <a:extLst>
-              <a:ext uri="{FF2B5EF4-FFF2-40B4-BE49-F238E27FC236}">
-                <a16:creationId xmlns:a16="http://schemas.microsoft.com/office/drawing/2014/main" id="{AF883855-8748-E64A-0ECF-96C60DB4DA18}"/>
+          <p:cNvPr id="2" name="组合 1">
+            <a:extLst>
+              <a:ext uri="{FF2B5EF4-FFF2-40B4-BE49-F238E27FC236}">
+                <a16:creationId xmlns:a16="http://schemas.microsoft.com/office/drawing/2014/main" id="{AE596ACD-15C9-7BCF-012F-E6624A181154}"/>
               </a:ext>
             </a:extLst>
           </p:cNvPr>
@@ -3409,18 +3341,18 @@
         </p:nvGrpSpPr>
         <p:grpSpPr>
           <a:xfrm>
-            <a:off x="2205107" y="1087677"/>
-            <a:ext cx="2254684" cy="4534422"/>
-            <a:chOff x="2205107" y="1087677"/>
-            <a:chExt cx="2254684" cy="4534422"/>
+            <a:off x="1778386" y="712916"/>
+            <a:ext cx="8801560" cy="4970143"/>
+            <a:chOff x="2205107" y="651956"/>
+            <a:chExt cx="8801560" cy="4970143"/>
           </a:xfrm>
         </p:grpSpPr>
         <p:sp>
           <p:nvSpPr>
-            <p:cNvPr id="24" name="矩形 23">
+            <p:cNvPr id="16" name="矩形 15">
               <a:extLst>
                 <a:ext uri="{FF2B5EF4-FFF2-40B4-BE49-F238E27FC236}">
-                  <a16:creationId xmlns:a16="http://schemas.microsoft.com/office/drawing/2014/main" id="{3B4C516B-0417-55BB-61F0-417021F0D66B}"/>
+                  <a16:creationId xmlns:a16="http://schemas.microsoft.com/office/drawing/2014/main" id="{9A9FFC58-9362-B571-ADB4-45924BC5C86E}"/>
                 </a:ext>
               </a:extLst>
             </p:cNvPr>
@@ -3429,8 +3361,189 @@
           </p:nvSpPr>
           <p:spPr>
             <a:xfrm>
+              <a:off x="2205108" y="651956"/>
+              <a:ext cx="8801559" cy="369332"/>
+            </a:xfrm>
+            <a:prstGeom prst="rect">
+              <a:avLst/>
+            </a:prstGeom>
+            <a:solidFill>
+              <a:schemeClr val="accent4">
+                <a:lumMod val="20000"/>
+                <a:lumOff val="80000"/>
+              </a:schemeClr>
+            </a:solidFill>
+            <a:ln>
+              <a:solidFill>
+                <a:schemeClr val="accent4">
+                  <a:lumMod val="20000"/>
+                  <a:lumOff val="80000"/>
+                </a:schemeClr>
+              </a:solidFill>
+            </a:ln>
+          </p:spPr>
+          <p:style>
+            <a:lnRef idx="2">
+              <a:schemeClr val="accent1">
+                <a:shade val="15000"/>
+              </a:schemeClr>
+            </a:lnRef>
+            <a:fillRef idx="1">
+              <a:schemeClr val="accent1"/>
+            </a:fillRef>
+            <a:effectRef idx="0">
+              <a:schemeClr val="accent1"/>
+            </a:effectRef>
+            <a:fontRef idx="minor">
+              <a:schemeClr val="lt1"/>
+            </a:fontRef>
+          </p:style>
+          <p:txBody>
+            <a:bodyPr rtlCol="0" anchor="ctr"/>
+            <a:lstStyle/>
+            <a:p>
+              <a:pPr algn="ctr"/>
+              <a:r>
+                <a:rPr lang="zh-CN" altLang="en-US" sz="1600" b="1" dirty="0">
+                  <a:solidFill>
+                    <a:sysClr val="windowText" lastClr="000000"/>
+                  </a:solidFill>
+                  <a:latin typeface="微软雅黑" panose="020B0503020204020204" pitchFamily="34" charset="-122"/>
+                  <a:ea typeface="微软雅黑" panose="020B0503020204020204" pitchFamily="34" charset="-122"/>
+                </a:rPr>
+                <a:t>原子级纳观影像质量提升与分割算法研究</a:t>
+              </a:r>
+            </a:p>
+          </p:txBody>
+        </p:sp>
+        <p:grpSp>
+          <p:nvGrpSpPr>
+            <p:cNvPr id="4" name="组合 3">
+              <a:extLst>
+                <a:ext uri="{FF2B5EF4-FFF2-40B4-BE49-F238E27FC236}">
+                  <a16:creationId xmlns:a16="http://schemas.microsoft.com/office/drawing/2014/main" id="{AF883855-8748-E64A-0ECF-96C60DB4DA18}"/>
+                </a:ext>
+              </a:extLst>
+            </p:cNvPr>
+            <p:cNvGrpSpPr/>
+            <p:nvPr/>
+          </p:nvGrpSpPr>
+          <p:grpSpPr>
+            <a:xfrm>
               <a:off x="2205107" y="1087677"/>
               <a:ext cx="2254684" cy="4534422"/>
+              <a:chOff x="2205107" y="1087677"/>
+              <a:chExt cx="2254684" cy="4534422"/>
+            </a:xfrm>
+          </p:grpSpPr>
+          <p:sp>
+            <p:nvSpPr>
+              <p:cNvPr id="24" name="矩形 23">
+                <a:extLst>
+                  <a:ext uri="{FF2B5EF4-FFF2-40B4-BE49-F238E27FC236}">
+                    <a16:creationId xmlns:a16="http://schemas.microsoft.com/office/drawing/2014/main" id="{3B4C516B-0417-55BB-61F0-417021F0D66B}"/>
+                  </a:ext>
+                </a:extLst>
+              </p:cNvPr>
+              <p:cNvSpPr/>
+              <p:nvPr/>
+            </p:nvSpPr>
+            <p:spPr>
+              <a:xfrm>
+                <a:off x="2205107" y="1087677"/>
+                <a:ext cx="2254684" cy="4534422"/>
+              </a:xfrm>
+              <a:prstGeom prst="rect">
+                <a:avLst/>
+              </a:prstGeom>
+              <a:noFill/>
+              <a:ln w="19050">
+                <a:solidFill>
+                  <a:schemeClr val="tx1"/>
+                </a:solidFill>
+                <a:prstDash val="lgDash"/>
+              </a:ln>
+            </p:spPr>
+            <p:style>
+              <a:lnRef idx="2">
+                <a:schemeClr val="accent1">
+                  <a:shade val="15000"/>
+                </a:schemeClr>
+              </a:lnRef>
+              <a:fillRef idx="1">
+                <a:schemeClr val="accent1"/>
+              </a:fillRef>
+              <a:effectRef idx="0">
+                <a:schemeClr val="accent1"/>
+              </a:effectRef>
+              <a:fontRef idx="minor">
+                <a:schemeClr val="lt1"/>
+              </a:fontRef>
+            </p:style>
+            <p:txBody>
+              <a:bodyPr rtlCol="0" anchor="ctr"/>
+              <a:lstStyle/>
+              <a:p>
+                <a:pPr algn="ctr"/>
+                <a:endParaRPr lang="zh-CN" altLang="en-US"/>
+              </a:p>
+            </p:txBody>
+          </p:sp>
+          <p:sp>
+            <p:nvSpPr>
+              <p:cNvPr id="29" name="文本框 28">
+                <a:extLst>
+                  <a:ext uri="{FF2B5EF4-FFF2-40B4-BE49-F238E27FC236}">
+                    <a16:creationId xmlns:a16="http://schemas.microsoft.com/office/drawing/2014/main" id="{0456F9A1-C691-0CFC-512D-98702443C2C3}"/>
+                  </a:ext>
+                </a:extLst>
+              </p:cNvPr>
+              <p:cNvSpPr txBox="1"/>
+              <p:nvPr/>
+            </p:nvSpPr>
+            <p:spPr>
+              <a:xfrm>
+                <a:off x="2823435" y="1158657"/>
+                <a:ext cx="1018028" cy="338554"/>
+              </a:xfrm>
+              <a:prstGeom prst="rect">
+                <a:avLst/>
+              </a:prstGeom>
+              <a:noFill/>
+            </p:spPr>
+            <p:txBody>
+              <a:bodyPr wrap="square" rtlCol="0">
+                <a:spAutoFit/>
+              </a:bodyPr>
+              <a:lstStyle/>
+              <a:p>
+                <a:r>
+                  <a:rPr lang="zh-CN" altLang="en-US" sz="1600" b="1" dirty="0">
+                    <a:latin typeface="微软雅黑" panose="020B0503020204020204" pitchFamily="34" charset="-122"/>
+                    <a:ea typeface="微软雅黑" panose="020B0503020204020204" pitchFamily="34" charset="-122"/>
+                  </a:rPr>
+                  <a:t>研究目标</a:t>
+                </a:r>
+              </a:p>
+            </p:txBody>
+          </p:sp>
+        </p:grpSp>
+        <p:sp>
+          <p:nvSpPr>
+            <p:cNvPr id="25" name="矩形 24">
+              <a:extLst>
+                <a:ext uri="{FF2B5EF4-FFF2-40B4-BE49-F238E27FC236}">
+                  <a16:creationId xmlns:a16="http://schemas.microsoft.com/office/drawing/2014/main" id="{3232DE9B-B933-65B5-AC12-697FFBC9A491}"/>
+                </a:ext>
+              </a:extLst>
+            </p:cNvPr>
+            <p:cNvSpPr/>
+            <p:nvPr/>
+          </p:nvSpPr>
+          <p:spPr>
+            <a:xfrm>
+              <a:off x="4720228" y="1087677"/>
+              <a:ext cx="3746439" cy="4534422"/>
             </a:xfrm>
             <a:prstGeom prst="rect">
               <a:avLst/>
@@ -3470,10 +3583,10 @@
         </p:sp>
         <p:sp>
           <p:nvSpPr>
-            <p:cNvPr id="29" name="文本框 28">
+            <p:cNvPr id="30" name="文本框 29">
               <a:extLst>
                 <a:ext uri="{FF2B5EF4-FFF2-40B4-BE49-F238E27FC236}">
-                  <a16:creationId xmlns:a16="http://schemas.microsoft.com/office/drawing/2014/main" id="{0456F9A1-C691-0CFC-512D-98702443C2C3}"/>
+                  <a16:creationId xmlns:a16="http://schemas.microsoft.com/office/drawing/2014/main" id="{75223667-A6CA-F4DA-CBC9-2AB14DFAFD30}"/>
                 </a:ext>
               </a:extLst>
             </p:cNvPr>
@@ -3482,8 +3595,8 @@
           </p:nvSpPr>
           <p:spPr>
             <a:xfrm>
-              <a:off x="2823435" y="1158657"/>
-              <a:ext cx="1018028" cy="338554"/>
+              <a:off x="6086771" y="1158657"/>
+              <a:ext cx="1013352" cy="338554"/>
             </a:xfrm>
             <a:prstGeom prst="rect">
               <a:avLst/>
@@ -3501,129 +3614,129 @@
                   <a:latin typeface="微软雅黑" panose="020B0503020204020204" pitchFamily="34" charset="-122"/>
                   <a:ea typeface="微软雅黑" panose="020B0503020204020204" pitchFamily="34" charset="-122"/>
                 </a:rPr>
-                <a:t>研究目标</a:t>
+                <a:t>研究内容</a:t>
               </a:r>
             </a:p>
           </p:txBody>
         </p:sp>
-      </p:grpSp>
-      <p:sp>
-        <p:nvSpPr>
-          <p:cNvPr id="25" name="矩形 24">
-            <a:extLst>
-              <a:ext uri="{FF2B5EF4-FFF2-40B4-BE49-F238E27FC236}">
-                <a16:creationId xmlns:a16="http://schemas.microsoft.com/office/drawing/2014/main" id="{3232DE9B-B933-65B5-AC12-697FFBC9A491}"/>
-              </a:ext>
-            </a:extLst>
-          </p:cNvPr>
-          <p:cNvSpPr/>
-          <p:nvPr/>
-        </p:nvSpPr>
-        <p:spPr>
-          <a:xfrm>
-            <a:off x="4720228" y="1087677"/>
-            <a:ext cx="3746439" cy="4534422"/>
-          </a:xfrm>
-          <a:prstGeom prst="rect">
-            <a:avLst/>
-          </a:prstGeom>
-          <a:noFill/>
-          <a:ln w="19050">
-            <a:solidFill>
-              <a:schemeClr val="tx1"/>
-            </a:solidFill>
-            <a:prstDash val="lgDash"/>
-          </a:ln>
-        </p:spPr>
-        <p:style>
-          <a:lnRef idx="2">
-            <a:schemeClr val="accent1">
-              <a:shade val="15000"/>
-            </a:schemeClr>
-          </a:lnRef>
-          <a:fillRef idx="1">
-            <a:schemeClr val="accent1"/>
-          </a:fillRef>
-          <a:effectRef idx="0">
-            <a:schemeClr val="accent1"/>
-          </a:effectRef>
-          <a:fontRef idx="minor">
-            <a:schemeClr val="lt1"/>
-          </a:fontRef>
-        </p:style>
-        <p:txBody>
-          <a:bodyPr rtlCol="0" anchor="ctr"/>
-          <a:lstStyle/>
-          <a:p>
-            <a:pPr algn="ctr"/>
-            <a:endParaRPr lang="zh-CN" altLang="en-US"/>
-          </a:p>
-        </p:txBody>
-      </p:sp>
-      <p:sp>
-        <p:nvSpPr>
-          <p:cNvPr id="30" name="文本框 29">
-            <a:extLst>
-              <a:ext uri="{FF2B5EF4-FFF2-40B4-BE49-F238E27FC236}">
-                <a16:creationId xmlns:a16="http://schemas.microsoft.com/office/drawing/2014/main" id="{75223667-A6CA-F4DA-CBC9-2AB14DFAFD30}"/>
-              </a:ext>
-            </a:extLst>
-          </p:cNvPr>
-          <p:cNvSpPr txBox="1"/>
-          <p:nvPr/>
-        </p:nvSpPr>
-        <p:spPr>
-          <a:xfrm>
-            <a:off x="6086771" y="1158657"/>
-            <a:ext cx="1013352" cy="338554"/>
-          </a:xfrm>
-          <a:prstGeom prst="rect">
-            <a:avLst/>
-          </a:prstGeom>
-          <a:noFill/>
-        </p:spPr>
-        <p:txBody>
-          <a:bodyPr wrap="square" rtlCol="0">
-            <a:spAutoFit/>
-          </a:bodyPr>
-          <a:lstStyle/>
-          <a:p>
-            <a:r>
-              <a:rPr lang="zh-CN" altLang="en-US" sz="1600" b="1" dirty="0">
-                <a:latin typeface="微软雅黑" panose="020B0503020204020204" pitchFamily="34" charset="-122"/>
-                <a:ea typeface="微软雅黑" panose="020B0503020204020204" pitchFamily="34" charset="-122"/>
-              </a:rPr>
-              <a:t>研究内容</a:t>
-            </a:r>
-          </a:p>
-        </p:txBody>
-      </p:sp>
-      <p:grpSp>
-        <p:nvGrpSpPr>
-          <p:cNvPr id="3" name="组合 2">
-            <a:extLst>
-              <a:ext uri="{FF2B5EF4-FFF2-40B4-BE49-F238E27FC236}">
-                <a16:creationId xmlns:a16="http://schemas.microsoft.com/office/drawing/2014/main" id="{B1C1B2B8-52AA-A837-3222-3509251FEB49}"/>
-              </a:ext>
-            </a:extLst>
-          </p:cNvPr>
-          <p:cNvGrpSpPr/>
-          <p:nvPr/>
-        </p:nvGrpSpPr>
-        <p:grpSpPr>
-          <a:xfrm>
-            <a:off x="8718705" y="1087677"/>
-            <a:ext cx="2254684" cy="4534422"/>
-            <a:chOff x="7235349" y="1087677"/>
-            <a:chExt cx="2254684" cy="4534422"/>
-          </a:xfrm>
-        </p:grpSpPr>
+        <p:grpSp>
+          <p:nvGrpSpPr>
+            <p:cNvPr id="3" name="组合 2">
+              <a:extLst>
+                <a:ext uri="{FF2B5EF4-FFF2-40B4-BE49-F238E27FC236}">
+                  <a16:creationId xmlns:a16="http://schemas.microsoft.com/office/drawing/2014/main" id="{B1C1B2B8-52AA-A837-3222-3509251FEB49}"/>
+                </a:ext>
+              </a:extLst>
+            </p:cNvPr>
+            <p:cNvGrpSpPr/>
+            <p:nvPr/>
+          </p:nvGrpSpPr>
+          <p:grpSpPr>
+            <a:xfrm>
+              <a:off x="8718705" y="1087677"/>
+              <a:ext cx="2254684" cy="4534422"/>
+              <a:chOff x="7235349" y="1087677"/>
+              <a:chExt cx="2254684" cy="4534422"/>
+            </a:xfrm>
+          </p:grpSpPr>
+          <p:sp>
+            <p:nvSpPr>
+              <p:cNvPr id="28" name="矩形 27">
+                <a:extLst>
+                  <a:ext uri="{FF2B5EF4-FFF2-40B4-BE49-F238E27FC236}">
+                    <a16:creationId xmlns:a16="http://schemas.microsoft.com/office/drawing/2014/main" id="{9A76885A-6A8B-D83D-B039-A096E4C9578D}"/>
+                  </a:ext>
+                </a:extLst>
+              </p:cNvPr>
+              <p:cNvSpPr/>
+              <p:nvPr/>
+            </p:nvSpPr>
+            <p:spPr>
+              <a:xfrm>
+                <a:off x="7235349" y="1087677"/>
+                <a:ext cx="2254684" cy="4534422"/>
+              </a:xfrm>
+              <a:prstGeom prst="rect">
+                <a:avLst/>
+              </a:prstGeom>
+              <a:noFill/>
+              <a:ln w="19050">
+                <a:solidFill>
+                  <a:schemeClr val="tx1"/>
+                </a:solidFill>
+                <a:prstDash val="lgDash"/>
+              </a:ln>
+            </p:spPr>
+            <p:style>
+              <a:lnRef idx="2">
+                <a:schemeClr val="accent1">
+                  <a:shade val="15000"/>
+                </a:schemeClr>
+              </a:lnRef>
+              <a:fillRef idx="1">
+                <a:schemeClr val="accent1"/>
+              </a:fillRef>
+              <a:effectRef idx="0">
+                <a:schemeClr val="accent1"/>
+              </a:effectRef>
+              <a:fontRef idx="minor">
+                <a:schemeClr val="lt1"/>
+              </a:fontRef>
+            </p:style>
+            <p:txBody>
+              <a:bodyPr rtlCol="0" anchor="ctr"/>
+              <a:lstStyle/>
+              <a:p>
+                <a:pPr algn="ctr"/>
+                <a:endParaRPr lang="zh-CN" altLang="en-US"/>
+              </a:p>
+            </p:txBody>
+          </p:sp>
+          <p:sp>
+            <p:nvSpPr>
+              <p:cNvPr id="31" name="文本框 30">
+                <a:extLst>
+                  <a:ext uri="{FF2B5EF4-FFF2-40B4-BE49-F238E27FC236}">
+                    <a16:creationId xmlns:a16="http://schemas.microsoft.com/office/drawing/2014/main" id="{34ABF334-F82E-C03B-F6F2-7D71367BB4DA}"/>
+                  </a:ext>
+                </a:extLst>
+              </p:cNvPr>
+              <p:cNvSpPr txBox="1"/>
+              <p:nvPr/>
+            </p:nvSpPr>
+            <p:spPr>
+              <a:xfrm>
+                <a:off x="7844107" y="1158657"/>
+                <a:ext cx="1037169" cy="338554"/>
+              </a:xfrm>
+              <a:prstGeom prst="rect">
+                <a:avLst/>
+              </a:prstGeom>
+              <a:noFill/>
+            </p:spPr>
+            <p:txBody>
+              <a:bodyPr wrap="square" rtlCol="0">
+                <a:spAutoFit/>
+              </a:bodyPr>
+              <a:lstStyle/>
+              <a:p>
+                <a:r>
+                  <a:rPr lang="zh-CN" altLang="en-US" sz="1600" b="1" dirty="0">
+                    <a:latin typeface="微软雅黑" panose="020B0503020204020204" pitchFamily="34" charset="-122"/>
+                    <a:ea typeface="微软雅黑" panose="020B0503020204020204" pitchFamily="34" charset="-122"/>
+                  </a:rPr>
+                  <a:t>关键问题</a:t>
+                </a:r>
+              </a:p>
+            </p:txBody>
+          </p:sp>
+        </p:grpSp>
         <p:sp>
           <p:nvSpPr>
-            <p:cNvPr id="28" name="矩形 27">
+            <p:cNvPr id="5" name="矩形 4">
               <a:extLst>
                 <a:ext uri="{FF2B5EF4-FFF2-40B4-BE49-F238E27FC236}">
-                  <a16:creationId xmlns:a16="http://schemas.microsoft.com/office/drawing/2014/main" id="{9A76885A-6A8B-D83D-B039-A096E4C9578D}"/>
+                  <a16:creationId xmlns:a16="http://schemas.microsoft.com/office/drawing/2014/main" id="{E89E8B6F-2C9B-4443-DF54-FC6A3DDAEBAA}"/>
                 </a:ext>
               </a:extLst>
             </p:cNvPr>
@@ -3632,18 +3745,25 @@
           </p:nvSpPr>
           <p:spPr>
             <a:xfrm>
-              <a:off x="7235349" y="1087677"/>
-              <a:ext cx="2254684" cy="4534422"/>
+              <a:off x="2319836" y="4395893"/>
+              <a:ext cx="2025226" cy="1036319"/>
             </a:xfrm>
             <a:prstGeom prst="rect">
               <a:avLst/>
             </a:prstGeom>
-            <a:noFill/>
-            <a:ln w="19050">
+            <a:solidFill>
+              <a:schemeClr val="accent6">
+                <a:lumMod val="20000"/>
+                <a:lumOff val="80000"/>
+              </a:schemeClr>
+            </a:solidFill>
+            <a:ln>
               <a:solidFill>
-                <a:schemeClr val="tx1"/>
+                <a:schemeClr val="accent6">
+                  <a:lumMod val="20000"/>
+                  <a:lumOff val="80000"/>
+                </a:schemeClr>
               </a:solidFill>
-              <a:prstDash val="lgDash"/>
             </a:ln>
           </p:spPr>
           <p:style>
@@ -3667,682 +3787,28 @@
             <a:lstStyle/>
             <a:p>
               <a:pPr algn="ctr"/>
-              <a:endParaRPr lang="zh-CN" altLang="en-US"/>
+              <a:r>
+                <a:rPr lang="zh-CN" altLang="en-US" sz="1600" b="1" dirty="0">
+                  <a:solidFill>
+                    <a:sysClr val="windowText" lastClr="000000"/>
+                  </a:solidFill>
+                </a:rPr>
+                <a:t>辅助材料表征</a:t>
+              </a:r>
+              <a:endParaRPr lang="zh-CN" altLang="en-US" sz="1600" dirty="0">
+                <a:solidFill>
+                  <a:sysClr val="windowText" lastClr="000000"/>
+                </a:solidFill>
+              </a:endParaRPr>
             </a:p>
           </p:txBody>
         </p:sp>
         <p:sp>
           <p:nvSpPr>
-            <p:cNvPr id="31" name="文本框 30">
+            <p:cNvPr id="6" name="矩形 5">
               <a:extLst>
                 <a:ext uri="{FF2B5EF4-FFF2-40B4-BE49-F238E27FC236}">
-                  <a16:creationId xmlns:a16="http://schemas.microsoft.com/office/drawing/2014/main" id="{34ABF334-F82E-C03B-F6F2-7D71367BB4DA}"/>
-                </a:ext>
-              </a:extLst>
-            </p:cNvPr>
-            <p:cNvSpPr txBox="1"/>
-            <p:nvPr/>
-          </p:nvSpPr>
-          <p:spPr>
-            <a:xfrm>
-              <a:off x="7844107" y="1158657"/>
-              <a:ext cx="1037169" cy="338554"/>
-            </a:xfrm>
-            <a:prstGeom prst="rect">
-              <a:avLst/>
-            </a:prstGeom>
-            <a:noFill/>
-          </p:spPr>
-          <p:txBody>
-            <a:bodyPr wrap="square" rtlCol="0">
-              <a:spAutoFit/>
-            </a:bodyPr>
-            <a:lstStyle/>
-            <a:p>
-              <a:r>
-                <a:rPr lang="zh-CN" altLang="en-US" sz="1600" b="1" dirty="0">
-                  <a:latin typeface="微软雅黑" panose="020B0503020204020204" pitchFamily="34" charset="-122"/>
-                  <a:ea typeface="微软雅黑" panose="020B0503020204020204" pitchFamily="34" charset="-122"/>
-                </a:rPr>
-                <a:t>关键问题</a:t>
-              </a:r>
-            </a:p>
-          </p:txBody>
-        </p:sp>
-      </p:grpSp>
-      <p:sp>
-        <p:nvSpPr>
-          <p:cNvPr id="5" name="矩形 4">
-            <a:extLst>
-              <a:ext uri="{FF2B5EF4-FFF2-40B4-BE49-F238E27FC236}">
-                <a16:creationId xmlns:a16="http://schemas.microsoft.com/office/drawing/2014/main" id="{E89E8B6F-2C9B-4443-DF54-FC6A3DDAEBAA}"/>
-              </a:ext>
-            </a:extLst>
-          </p:cNvPr>
-          <p:cNvSpPr/>
-          <p:nvPr/>
-        </p:nvSpPr>
-        <p:spPr>
-          <a:xfrm>
-            <a:off x="2319836" y="4395893"/>
-            <a:ext cx="2025226" cy="1036319"/>
-          </a:xfrm>
-          <a:prstGeom prst="rect">
-            <a:avLst/>
-          </a:prstGeom>
-          <a:solidFill>
-            <a:schemeClr val="accent6">
-              <a:lumMod val="20000"/>
-              <a:lumOff val="80000"/>
-            </a:schemeClr>
-          </a:solidFill>
-          <a:ln>
-            <a:solidFill>
-              <a:schemeClr val="accent6">
-                <a:lumMod val="20000"/>
-                <a:lumOff val="80000"/>
-              </a:schemeClr>
-            </a:solidFill>
-          </a:ln>
-        </p:spPr>
-        <p:style>
-          <a:lnRef idx="2">
-            <a:schemeClr val="accent1">
-              <a:shade val="15000"/>
-            </a:schemeClr>
-          </a:lnRef>
-          <a:fillRef idx="1">
-            <a:schemeClr val="accent1"/>
-          </a:fillRef>
-          <a:effectRef idx="0">
-            <a:schemeClr val="accent1"/>
-          </a:effectRef>
-          <a:fontRef idx="minor">
-            <a:schemeClr val="lt1"/>
-          </a:fontRef>
-        </p:style>
-        <p:txBody>
-          <a:bodyPr rtlCol="0" anchor="ctr"/>
-          <a:lstStyle/>
-          <a:p>
-            <a:pPr algn="ctr"/>
-            <a:r>
-              <a:rPr lang="zh-CN" altLang="en-US" sz="1600" b="1" dirty="0">
-                <a:solidFill>
-                  <a:sysClr val="windowText" lastClr="000000"/>
-                </a:solidFill>
-              </a:rPr>
-              <a:t>辅助材料表征</a:t>
-            </a:r>
-            <a:endParaRPr lang="zh-CN" altLang="en-US" sz="1600" dirty="0">
-              <a:solidFill>
-                <a:sysClr val="windowText" lastClr="000000"/>
-              </a:solidFill>
-            </a:endParaRPr>
-          </a:p>
-        </p:txBody>
-      </p:sp>
-      <p:sp>
-        <p:nvSpPr>
-          <p:cNvPr id="6" name="矩形 5">
-            <a:extLst>
-              <a:ext uri="{FF2B5EF4-FFF2-40B4-BE49-F238E27FC236}">
-                <a16:creationId xmlns:a16="http://schemas.microsoft.com/office/drawing/2014/main" id="{38B82AA7-90B9-B9DF-0788-E2A5084A4A13}"/>
-              </a:ext>
-            </a:extLst>
-          </p:cNvPr>
-          <p:cNvSpPr/>
-          <p:nvPr/>
-        </p:nvSpPr>
-        <p:spPr>
-          <a:xfrm>
-            <a:off x="2319836" y="3022752"/>
-            <a:ext cx="2025226" cy="1036319"/>
-          </a:xfrm>
-          <a:prstGeom prst="rect">
-            <a:avLst/>
-          </a:prstGeom>
-          <a:solidFill>
-            <a:schemeClr val="accent6">
-              <a:lumMod val="20000"/>
-              <a:lumOff val="80000"/>
-            </a:schemeClr>
-          </a:solidFill>
-          <a:ln>
-            <a:solidFill>
-              <a:schemeClr val="accent6">
-                <a:lumMod val="20000"/>
-                <a:lumOff val="80000"/>
-              </a:schemeClr>
-            </a:solidFill>
-          </a:ln>
-        </p:spPr>
-        <p:style>
-          <a:lnRef idx="2">
-            <a:schemeClr val="accent1">
-              <a:shade val="15000"/>
-            </a:schemeClr>
-          </a:lnRef>
-          <a:fillRef idx="1">
-            <a:schemeClr val="accent1"/>
-          </a:fillRef>
-          <a:effectRef idx="0">
-            <a:schemeClr val="accent1"/>
-          </a:effectRef>
-          <a:fontRef idx="minor">
-            <a:schemeClr val="lt1"/>
-          </a:fontRef>
-        </p:style>
-        <p:txBody>
-          <a:bodyPr rtlCol="0" anchor="ctr"/>
-          <a:lstStyle/>
-          <a:p>
-            <a:pPr algn="ctr"/>
-            <a:r>
-              <a:rPr lang="zh-CN" altLang="en-US" sz="1600" b="1" dirty="0">
-                <a:solidFill>
-                  <a:sysClr val="windowText" lastClr="000000"/>
-                </a:solidFill>
-              </a:rPr>
-              <a:t>提高分割精度</a:t>
-            </a:r>
-            <a:endParaRPr lang="zh-CN" altLang="en-US" sz="1600" dirty="0">
-              <a:solidFill>
-                <a:sysClr val="windowText" lastClr="000000"/>
-              </a:solidFill>
-            </a:endParaRPr>
-          </a:p>
-        </p:txBody>
-      </p:sp>
-      <p:sp>
-        <p:nvSpPr>
-          <p:cNvPr id="7" name="矩形 6">
-            <a:extLst>
-              <a:ext uri="{FF2B5EF4-FFF2-40B4-BE49-F238E27FC236}">
-                <a16:creationId xmlns:a16="http://schemas.microsoft.com/office/drawing/2014/main" id="{77CBCFE8-39C7-954C-0DAB-CF2F7C0D5B06}"/>
-              </a:ext>
-            </a:extLst>
-          </p:cNvPr>
-          <p:cNvSpPr/>
-          <p:nvPr/>
-        </p:nvSpPr>
-        <p:spPr>
-          <a:xfrm>
-            <a:off x="2319836" y="1613813"/>
-            <a:ext cx="2025226" cy="1036319"/>
-          </a:xfrm>
-          <a:prstGeom prst="rect">
-            <a:avLst/>
-          </a:prstGeom>
-          <a:solidFill>
-            <a:schemeClr val="accent6">
-              <a:lumMod val="20000"/>
-              <a:lumOff val="80000"/>
-            </a:schemeClr>
-          </a:solidFill>
-          <a:ln>
-            <a:solidFill>
-              <a:schemeClr val="accent6">
-                <a:lumMod val="20000"/>
-                <a:lumOff val="80000"/>
-              </a:schemeClr>
-            </a:solidFill>
-          </a:ln>
-        </p:spPr>
-        <p:style>
-          <a:lnRef idx="2">
-            <a:schemeClr val="accent1">
-              <a:shade val="15000"/>
-            </a:schemeClr>
-          </a:lnRef>
-          <a:fillRef idx="1">
-            <a:schemeClr val="accent1"/>
-          </a:fillRef>
-          <a:effectRef idx="0">
-            <a:schemeClr val="accent1"/>
-          </a:effectRef>
-          <a:fontRef idx="minor">
-            <a:schemeClr val="lt1"/>
-          </a:fontRef>
-        </p:style>
-        <p:txBody>
-          <a:bodyPr rtlCol="0" anchor="ctr"/>
-          <a:lstStyle/>
-          <a:p>
-            <a:pPr algn="ctr"/>
-            <a:r>
-              <a:rPr lang="zh-CN" altLang="en-US" sz="1600" b="1" dirty="0">
-                <a:solidFill>
-                  <a:sysClr val="windowText" lastClr="000000"/>
-                </a:solidFill>
-              </a:rPr>
-              <a:t>提升图像质量</a:t>
-            </a:r>
-            <a:endParaRPr lang="zh-CN" altLang="en-US" sz="1600" dirty="0">
-              <a:solidFill>
-                <a:sysClr val="windowText" lastClr="000000"/>
-              </a:solidFill>
-            </a:endParaRPr>
-          </a:p>
-        </p:txBody>
-      </p:sp>
-      <p:sp>
-        <p:nvSpPr>
-          <p:cNvPr id="9" name="矩形 8">
-            <a:extLst>
-              <a:ext uri="{FF2B5EF4-FFF2-40B4-BE49-F238E27FC236}">
-                <a16:creationId xmlns:a16="http://schemas.microsoft.com/office/drawing/2014/main" id="{8CC82BDD-55A0-D433-12AD-85644A855B49}"/>
-              </a:ext>
-            </a:extLst>
-          </p:cNvPr>
-          <p:cNvSpPr/>
-          <p:nvPr/>
-        </p:nvSpPr>
-        <p:spPr>
-          <a:xfrm>
-            <a:off x="4834956" y="3022752"/>
-            <a:ext cx="3482695" cy="1036319"/>
-          </a:xfrm>
-          <a:prstGeom prst="rect">
-            <a:avLst/>
-          </a:prstGeom>
-          <a:solidFill>
-            <a:srgbClr val="FDE7F7"/>
-          </a:solidFill>
-          <a:ln>
-            <a:solidFill>
-              <a:srgbClr val="FDE7F7"/>
-            </a:solidFill>
-          </a:ln>
-        </p:spPr>
-        <p:style>
-          <a:lnRef idx="2">
-            <a:schemeClr val="accent1">
-              <a:shade val="15000"/>
-            </a:schemeClr>
-          </a:lnRef>
-          <a:fillRef idx="1">
-            <a:schemeClr val="accent1"/>
-          </a:fillRef>
-          <a:effectRef idx="0">
-            <a:schemeClr val="accent1"/>
-          </a:effectRef>
-          <a:fontRef idx="minor">
-            <a:schemeClr val="lt1"/>
-          </a:fontRef>
-        </p:style>
-        <p:txBody>
-          <a:bodyPr rtlCol="0" anchor="ctr"/>
-          <a:lstStyle/>
-          <a:p>
-            <a:pPr algn="ctr"/>
-            <a:r>
-              <a:rPr lang="zh-CN" altLang="en-US" sz="1400" b="1" dirty="0">
-                <a:solidFill>
-                  <a:sysClr val="windowText" lastClr="000000"/>
-                </a:solidFill>
-              </a:rPr>
-              <a:t>基于多源特征联合优化的原子定位</a:t>
-            </a:r>
-            <a:endParaRPr lang="en-US" altLang="zh-CN" sz="1400" b="1" dirty="0">
-              <a:solidFill>
-                <a:sysClr val="windowText" lastClr="000000"/>
-              </a:solidFill>
-            </a:endParaRPr>
-          </a:p>
-          <a:p>
-            <a:pPr algn="ctr"/>
-            <a:endParaRPr lang="en-US" altLang="zh-CN" sz="1400" b="1" dirty="0">
-              <a:solidFill>
-                <a:sysClr val="windowText" lastClr="000000"/>
-              </a:solidFill>
-            </a:endParaRPr>
-          </a:p>
-          <a:p>
-            <a:pPr algn="ctr"/>
-            <a:endParaRPr lang="en-US" altLang="zh-CN" sz="1400" b="1" dirty="0">
-              <a:solidFill>
-                <a:sysClr val="windowText" lastClr="000000"/>
-              </a:solidFill>
-            </a:endParaRPr>
-          </a:p>
-          <a:p>
-            <a:pPr algn="ctr"/>
-            <a:endParaRPr lang="zh-CN" altLang="en-US" sz="1400" dirty="0">
-              <a:solidFill>
-                <a:sysClr val="windowText" lastClr="000000"/>
-              </a:solidFill>
-            </a:endParaRPr>
-          </a:p>
-        </p:txBody>
-      </p:sp>
-      <p:sp>
-        <p:nvSpPr>
-          <p:cNvPr id="10" name="矩形 9">
-            <a:extLst>
-              <a:ext uri="{FF2B5EF4-FFF2-40B4-BE49-F238E27FC236}">
-                <a16:creationId xmlns:a16="http://schemas.microsoft.com/office/drawing/2014/main" id="{6B69157C-6466-B051-139F-68099155821F}"/>
-              </a:ext>
-            </a:extLst>
-          </p:cNvPr>
-          <p:cNvSpPr/>
-          <p:nvPr/>
-        </p:nvSpPr>
-        <p:spPr>
-          <a:xfrm>
-            <a:off x="4834957" y="4395892"/>
-            <a:ext cx="3482694" cy="1036319"/>
-          </a:xfrm>
-          <a:prstGeom prst="rect">
-            <a:avLst/>
-          </a:prstGeom>
-          <a:solidFill>
-            <a:srgbClr val="FDE7F7"/>
-          </a:solidFill>
-          <a:ln>
-            <a:solidFill>
-              <a:srgbClr val="FDE7F7"/>
-            </a:solidFill>
-          </a:ln>
-        </p:spPr>
-        <p:style>
-          <a:lnRef idx="2">
-            <a:schemeClr val="accent1">
-              <a:shade val="15000"/>
-            </a:schemeClr>
-          </a:lnRef>
-          <a:fillRef idx="1">
-            <a:schemeClr val="accent1"/>
-          </a:fillRef>
-          <a:effectRef idx="0">
-            <a:schemeClr val="accent1"/>
-          </a:effectRef>
-          <a:fontRef idx="minor">
-            <a:schemeClr val="lt1"/>
-          </a:fontRef>
-        </p:style>
-        <p:txBody>
-          <a:bodyPr rtlCol="0" anchor="ctr"/>
-          <a:lstStyle/>
-          <a:p>
-            <a:pPr algn="ctr"/>
-            <a:r>
-              <a:rPr lang="zh-CN" altLang="en-US" sz="1400" b="1" dirty="0">
-                <a:solidFill>
-                  <a:sysClr val="windowText" lastClr="000000"/>
-                </a:solidFill>
-              </a:rPr>
-              <a:t>原子级视频信息的动态提取分析系统</a:t>
-            </a:r>
-            <a:endParaRPr lang="en-US" altLang="zh-CN" sz="1400" b="1" dirty="0">
-              <a:solidFill>
-                <a:sysClr val="windowText" lastClr="000000"/>
-              </a:solidFill>
-            </a:endParaRPr>
-          </a:p>
-          <a:p>
-            <a:pPr algn="ctr"/>
-            <a:endParaRPr lang="en-US" altLang="zh-CN" sz="1400" b="1" dirty="0">
-              <a:solidFill>
-                <a:sysClr val="windowText" lastClr="000000"/>
-              </a:solidFill>
-            </a:endParaRPr>
-          </a:p>
-          <a:p>
-            <a:pPr algn="ctr"/>
-            <a:endParaRPr lang="en-US" altLang="zh-CN" sz="1400" b="1" dirty="0">
-              <a:solidFill>
-                <a:sysClr val="windowText" lastClr="000000"/>
-              </a:solidFill>
-            </a:endParaRPr>
-          </a:p>
-          <a:p>
-            <a:pPr algn="ctr"/>
-            <a:endParaRPr lang="zh-CN" altLang="en-US" sz="1400" dirty="0">
-              <a:solidFill>
-                <a:sysClr val="windowText" lastClr="000000"/>
-              </a:solidFill>
-            </a:endParaRPr>
-          </a:p>
-        </p:txBody>
-      </p:sp>
-      <p:sp>
-        <p:nvSpPr>
-          <p:cNvPr id="11" name="矩形 10">
-            <a:extLst>
-              <a:ext uri="{FF2B5EF4-FFF2-40B4-BE49-F238E27FC236}">
-                <a16:creationId xmlns:a16="http://schemas.microsoft.com/office/drawing/2014/main" id="{96947A4E-0987-43FD-22CA-8E93C7173E02}"/>
-              </a:ext>
-            </a:extLst>
-          </p:cNvPr>
-          <p:cNvSpPr/>
-          <p:nvPr/>
-        </p:nvSpPr>
-        <p:spPr>
-          <a:xfrm>
-            <a:off x="8833434" y="1613813"/>
-            <a:ext cx="2025226" cy="1036319"/>
-          </a:xfrm>
-          <a:prstGeom prst="rect">
-            <a:avLst/>
-          </a:prstGeom>
-          <a:solidFill>
-            <a:schemeClr val="accent5">
-              <a:lumMod val="20000"/>
-              <a:lumOff val="80000"/>
-            </a:schemeClr>
-          </a:solidFill>
-          <a:ln>
-            <a:solidFill>
-              <a:schemeClr val="accent5">
-                <a:lumMod val="20000"/>
-                <a:lumOff val="80000"/>
-              </a:schemeClr>
-            </a:solidFill>
-          </a:ln>
-        </p:spPr>
-        <p:style>
-          <a:lnRef idx="2">
-            <a:schemeClr val="accent1">
-              <a:shade val="15000"/>
-            </a:schemeClr>
-          </a:lnRef>
-          <a:fillRef idx="1">
-            <a:schemeClr val="accent1"/>
-          </a:fillRef>
-          <a:effectRef idx="0">
-            <a:schemeClr val="accent1"/>
-          </a:effectRef>
-          <a:fontRef idx="minor">
-            <a:schemeClr val="lt1"/>
-          </a:fontRef>
-        </p:style>
-        <p:txBody>
-          <a:bodyPr rtlCol="0" anchor="ctr"/>
-          <a:lstStyle/>
-          <a:p>
-            <a:pPr algn="ctr"/>
-            <a:r>
-              <a:rPr lang="zh-CN" altLang="en-US" sz="1600" b="1" dirty="0">
-                <a:solidFill>
-                  <a:sysClr val="windowText" lastClr="000000"/>
-                </a:solidFill>
-              </a:rPr>
-              <a:t>缺少物理约束，难以生成质量保持的图像</a:t>
-            </a:r>
-          </a:p>
-        </p:txBody>
-      </p:sp>
-      <p:sp>
-        <p:nvSpPr>
-          <p:cNvPr id="12" name="矩形 11">
-            <a:extLst>
-              <a:ext uri="{FF2B5EF4-FFF2-40B4-BE49-F238E27FC236}">
-                <a16:creationId xmlns:a16="http://schemas.microsoft.com/office/drawing/2014/main" id="{79C4676C-03FA-7DEE-F61D-C040B0E8E5AC}"/>
-              </a:ext>
-            </a:extLst>
-          </p:cNvPr>
-          <p:cNvSpPr/>
-          <p:nvPr/>
-        </p:nvSpPr>
-        <p:spPr>
-          <a:xfrm>
-            <a:off x="8833434" y="3022752"/>
-            <a:ext cx="2025226" cy="1036319"/>
-          </a:xfrm>
-          <a:prstGeom prst="rect">
-            <a:avLst/>
-          </a:prstGeom>
-          <a:solidFill>
-            <a:schemeClr val="accent5">
-              <a:lumMod val="20000"/>
-              <a:lumOff val="80000"/>
-            </a:schemeClr>
-          </a:solidFill>
-          <a:ln>
-            <a:solidFill>
-              <a:schemeClr val="accent5">
-                <a:lumMod val="20000"/>
-                <a:lumOff val="80000"/>
-              </a:schemeClr>
-            </a:solidFill>
-          </a:ln>
-        </p:spPr>
-        <p:style>
-          <a:lnRef idx="2">
-            <a:schemeClr val="accent1">
-              <a:shade val="15000"/>
-            </a:schemeClr>
-          </a:lnRef>
-          <a:fillRef idx="1">
-            <a:schemeClr val="accent1"/>
-          </a:fillRef>
-          <a:effectRef idx="0">
-            <a:schemeClr val="accent1"/>
-          </a:effectRef>
-          <a:fontRef idx="minor">
-            <a:schemeClr val="lt1"/>
-          </a:fontRef>
-        </p:style>
-        <p:txBody>
-          <a:bodyPr rtlCol="0" anchor="ctr"/>
-          <a:lstStyle/>
-          <a:p>
-            <a:pPr algn="ctr"/>
-            <a:r>
-              <a:rPr lang="zh-CN" altLang="en-US" sz="1600" b="1" dirty="0">
-                <a:solidFill>
-                  <a:sysClr val="windowText" lastClr="000000"/>
-                </a:solidFill>
-              </a:rPr>
-              <a:t>质量提升与原子分割的多源特征难以联合优化提升整体精度</a:t>
-            </a:r>
-            <a:endParaRPr lang="zh-CN" altLang="en-US" sz="1600" dirty="0">
-              <a:solidFill>
-                <a:sysClr val="windowText" lastClr="000000"/>
-              </a:solidFill>
-            </a:endParaRPr>
-          </a:p>
-        </p:txBody>
-      </p:sp>
-      <p:sp>
-        <p:nvSpPr>
-          <p:cNvPr id="13" name="矩形 12">
-            <a:extLst>
-              <a:ext uri="{FF2B5EF4-FFF2-40B4-BE49-F238E27FC236}">
-                <a16:creationId xmlns:a16="http://schemas.microsoft.com/office/drawing/2014/main" id="{24F76D73-A7F8-64E3-BC13-3AC960D73382}"/>
-              </a:ext>
-            </a:extLst>
-          </p:cNvPr>
-          <p:cNvSpPr/>
-          <p:nvPr/>
-        </p:nvSpPr>
-        <p:spPr>
-          <a:xfrm>
-            <a:off x="8833434" y="4395892"/>
-            <a:ext cx="2025226" cy="1036319"/>
-          </a:xfrm>
-          <a:prstGeom prst="rect">
-            <a:avLst/>
-          </a:prstGeom>
-          <a:solidFill>
-            <a:schemeClr val="accent5">
-              <a:lumMod val="20000"/>
-              <a:lumOff val="80000"/>
-            </a:schemeClr>
-          </a:solidFill>
-          <a:ln>
-            <a:solidFill>
-              <a:schemeClr val="accent5">
-                <a:lumMod val="20000"/>
-                <a:lumOff val="80000"/>
-              </a:schemeClr>
-            </a:solidFill>
-          </a:ln>
-        </p:spPr>
-        <p:style>
-          <a:lnRef idx="2">
-            <a:schemeClr val="accent1">
-              <a:shade val="15000"/>
-            </a:schemeClr>
-          </a:lnRef>
-          <a:fillRef idx="1">
-            <a:schemeClr val="accent1"/>
-          </a:fillRef>
-          <a:effectRef idx="0">
-            <a:schemeClr val="accent1"/>
-          </a:effectRef>
-          <a:fontRef idx="minor">
-            <a:schemeClr val="lt1"/>
-          </a:fontRef>
-        </p:style>
-        <p:txBody>
-          <a:bodyPr rtlCol="0" anchor="ctr"/>
-          <a:lstStyle/>
-          <a:p>
-            <a:pPr algn="ctr"/>
-            <a:r>
-              <a:rPr lang="zh-CN" altLang="en-US" sz="1600" b="1" dirty="0">
-                <a:solidFill>
-                  <a:sysClr val="windowText" lastClr="000000"/>
-                </a:solidFill>
-              </a:rPr>
-              <a:t>时序图像的关键信息批量提取的自动化程度低、集成性差</a:t>
-            </a:r>
-            <a:endParaRPr lang="zh-CN" altLang="en-US" sz="1600" dirty="0">
-              <a:solidFill>
-                <a:sysClr val="windowText" lastClr="000000"/>
-              </a:solidFill>
-            </a:endParaRPr>
-          </a:p>
-        </p:txBody>
-      </p:sp>
-      <p:grpSp>
-        <p:nvGrpSpPr>
-          <p:cNvPr id="18" name="组合 17">
-            <a:extLst>
-              <a:ext uri="{FF2B5EF4-FFF2-40B4-BE49-F238E27FC236}">
-                <a16:creationId xmlns:a16="http://schemas.microsoft.com/office/drawing/2014/main" id="{176599D4-E46B-020F-E67D-41D414F561DB}"/>
-              </a:ext>
-            </a:extLst>
-          </p:cNvPr>
-          <p:cNvGrpSpPr/>
-          <p:nvPr/>
-        </p:nvGrpSpPr>
-        <p:grpSpPr>
-          <a:xfrm>
-            <a:off x="4864539" y="1514393"/>
-            <a:ext cx="3482696" cy="1235158"/>
-            <a:chOff x="4864539" y="1514393"/>
-            <a:chExt cx="3482696" cy="1235158"/>
-          </a:xfrm>
-        </p:grpSpPr>
-        <p:sp>
-          <p:nvSpPr>
-            <p:cNvPr id="8" name="矩形 7">
-              <a:extLst>
-                <a:ext uri="{FF2B5EF4-FFF2-40B4-BE49-F238E27FC236}">
-                  <a16:creationId xmlns:a16="http://schemas.microsoft.com/office/drawing/2014/main" id="{CF9549DF-5555-85C8-4CF3-6ACE02F819E4}"/>
+                  <a16:creationId xmlns:a16="http://schemas.microsoft.com/office/drawing/2014/main" id="{38B82AA7-90B9-B9DF-0788-E2A5084A4A13}"/>
                 </a:ext>
               </a:extLst>
             </p:cNvPr>
@@ -4351,8 +3817,152 @@
           </p:nvSpPr>
           <p:spPr>
             <a:xfrm>
-              <a:off x="4864539" y="1514393"/>
-              <a:ext cx="3482696" cy="1235158"/>
+              <a:off x="2319836" y="3022752"/>
+              <a:ext cx="2025226" cy="1036319"/>
+            </a:xfrm>
+            <a:prstGeom prst="rect">
+              <a:avLst/>
+            </a:prstGeom>
+            <a:solidFill>
+              <a:schemeClr val="accent6">
+                <a:lumMod val="20000"/>
+                <a:lumOff val="80000"/>
+              </a:schemeClr>
+            </a:solidFill>
+            <a:ln>
+              <a:solidFill>
+                <a:schemeClr val="accent6">
+                  <a:lumMod val="20000"/>
+                  <a:lumOff val="80000"/>
+                </a:schemeClr>
+              </a:solidFill>
+            </a:ln>
+          </p:spPr>
+          <p:style>
+            <a:lnRef idx="2">
+              <a:schemeClr val="accent1">
+                <a:shade val="15000"/>
+              </a:schemeClr>
+            </a:lnRef>
+            <a:fillRef idx="1">
+              <a:schemeClr val="accent1"/>
+            </a:fillRef>
+            <a:effectRef idx="0">
+              <a:schemeClr val="accent1"/>
+            </a:effectRef>
+            <a:fontRef idx="minor">
+              <a:schemeClr val="lt1"/>
+            </a:fontRef>
+          </p:style>
+          <p:txBody>
+            <a:bodyPr rtlCol="0" anchor="ctr"/>
+            <a:lstStyle/>
+            <a:p>
+              <a:pPr algn="ctr"/>
+              <a:r>
+                <a:rPr lang="zh-CN" altLang="en-US" sz="1600" b="1" dirty="0">
+                  <a:solidFill>
+                    <a:sysClr val="windowText" lastClr="000000"/>
+                  </a:solidFill>
+                </a:rPr>
+                <a:t>提高分割精度</a:t>
+              </a:r>
+              <a:endParaRPr lang="zh-CN" altLang="en-US" sz="1600" dirty="0">
+                <a:solidFill>
+                  <a:sysClr val="windowText" lastClr="000000"/>
+                </a:solidFill>
+              </a:endParaRPr>
+            </a:p>
+          </p:txBody>
+        </p:sp>
+        <p:sp>
+          <p:nvSpPr>
+            <p:cNvPr id="7" name="矩形 6">
+              <a:extLst>
+                <a:ext uri="{FF2B5EF4-FFF2-40B4-BE49-F238E27FC236}">
+                  <a16:creationId xmlns:a16="http://schemas.microsoft.com/office/drawing/2014/main" id="{77CBCFE8-39C7-954C-0DAB-CF2F7C0D5B06}"/>
+                </a:ext>
+              </a:extLst>
+            </p:cNvPr>
+            <p:cNvSpPr/>
+            <p:nvPr/>
+          </p:nvSpPr>
+          <p:spPr>
+            <a:xfrm>
+              <a:off x="2319836" y="1613813"/>
+              <a:ext cx="2025226" cy="1036319"/>
+            </a:xfrm>
+            <a:prstGeom prst="rect">
+              <a:avLst/>
+            </a:prstGeom>
+            <a:solidFill>
+              <a:schemeClr val="accent6">
+                <a:lumMod val="20000"/>
+                <a:lumOff val="80000"/>
+              </a:schemeClr>
+            </a:solidFill>
+            <a:ln>
+              <a:solidFill>
+                <a:schemeClr val="accent6">
+                  <a:lumMod val="20000"/>
+                  <a:lumOff val="80000"/>
+                </a:schemeClr>
+              </a:solidFill>
+            </a:ln>
+          </p:spPr>
+          <p:style>
+            <a:lnRef idx="2">
+              <a:schemeClr val="accent1">
+                <a:shade val="15000"/>
+              </a:schemeClr>
+            </a:lnRef>
+            <a:fillRef idx="1">
+              <a:schemeClr val="accent1"/>
+            </a:fillRef>
+            <a:effectRef idx="0">
+              <a:schemeClr val="accent1"/>
+            </a:effectRef>
+            <a:fontRef idx="minor">
+              <a:schemeClr val="lt1"/>
+            </a:fontRef>
+          </p:style>
+          <p:txBody>
+            <a:bodyPr rtlCol="0" anchor="ctr"/>
+            <a:lstStyle/>
+            <a:p>
+              <a:pPr algn="ctr"/>
+              <a:r>
+                <a:rPr lang="zh-CN" altLang="en-US" sz="1600" b="1" dirty="0">
+                  <a:solidFill>
+                    <a:sysClr val="windowText" lastClr="000000"/>
+                  </a:solidFill>
+                </a:rPr>
+                <a:t>提升图像质量</a:t>
+              </a:r>
+              <a:endParaRPr lang="zh-CN" altLang="en-US" sz="1600" dirty="0">
+                <a:solidFill>
+                  <a:sysClr val="windowText" lastClr="000000"/>
+                </a:solidFill>
+              </a:endParaRPr>
+            </a:p>
+          </p:txBody>
+        </p:sp>
+        <p:sp>
+          <p:nvSpPr>
+            <p:cNvPr id="9" name="矩形 8">
+              <a:extLst>
+                <a:ext uri="{FF2B5EF4-FFF2-40B4-BE49-F238E27FC236}">
+                  <a16:creationId xmlns:a16="http://schemas.microsoft.com/office/drawing/2014/main" id="{8CC82BDD-55A0-D433-12AD-85644A855B49}"/>
+                </a:ext>
+              </a:extLst>
+            </p:cNvPr>
+            <p:cNvSpPr/>
+            <p:nvPr/>
+          </p:nvSpPr>
+          <p:spPr>
+            <a:xfrm>
+              <a:off x="4834956" y="3022752"/>
+              <a:ext cx="3482695" cy="1036319"/>
             </a:xfrm>
             <a:prstGeom prst="rect">
               <a:avLst/>
@@ -4387,38 +3997,14 @@
             <a:lstStyle/>
             <a:p>
               <a:pPr algn="ctr"/>
-              <a:endParaRPr lang="en-US" altLang="zh-CN" sz="1400" b="1" dirty="0">
-                <a:solidFill>
-                  <a:sysClr val="windowText" lastClr="000000"/>
-                </a:solidFill>
-              </a:endParaRPr>
-            </a:p>
-            <a:p>
-              <a:pPr algn="ctr"/>
               <a:r>
                 <a:rPr lang="zh-CN" altLang="en-US" sz="1400" b="1" dirty="0">
                   <a:solidFill>
                     <a:sysClr val="windowText" lastClr="000000"/>
                   </a:solidFill>
                 </a:rPr>
-                <a:t>基于结构保持的非配对图像质量提升</a:t>
+                <a:t>基于多源特征联合优化的原子定位</a:t>
               </a:r>
-              <a:endParaRPr lang="en-US" altLang="zh-CN" sz="1400" b="1" dirty="0">
-                <a:solidFill>
-                  <a:sysClr val="windowText" lastClr="000000"/>
-                </a:solidFill>
-              </a:endParaRPr>
-            </a:p>
-            <a:p>
-              <a:pPr algn="ctr"/>
-              <a:endParaRPr lang="en-US" altLang="zh-CN" sz="1400" b="1" dirty="0">
-                <a:solidFill>
-                  <a:sysClr val="windowText" lastClr="000000"/>
-                </a:solidFill>
-              </a:endParaRPr>
-            </a:p>
-            <a:p>
-              <a:pPr algn="ctr"/>
               <a:endParaRPr lang="en-US" altLang="zh-CN" sz="1400" b="1" dirty="0">
                 <a:solidFill>
                   <a:sysClr val="windowText" lastClr="000000"/>
@@ -4453,10 +4039,10 @@
         </p:sp>
         <p:sp>
           <p:nvSpPr>
-            <p:cNvPr id="14" name="矩形 13">
+            <p:cNvPr id="10" name="矩形 9">
               <a:extLst>
                 <a:ext uri="{FF2B5EF4-FFF2-40B4-BE49-F238E27FC236}">
-                  <a16:creationId xmlns:a16="http://schemas.microsoft.com/office/drawing/2014/main" id="{D2D95E1A-7E21-25C9-90E9-DECB6DC64B62}"/>
+                  <a16:creationId xmlns:a16="http://schemas.microsoft.com/office/drawing/2014/main" id="{6B69157C-6466-B051-139F-68099155821F}"/>
                 </a:ext>
               </a:extLst>
             </p:cNvPr>
@@ -4465,7 +4051,632 @@
           </p:nvSpPr>
           <p:spPr>
             <a:xfrm>
-              <a:off x="4989426" y="1856981"/>
+              <a:off x="4834957" y="4395892"/>
+              <a:ext cx="3482694" cy="1036319"/>
+            </a:xfrm>
+            <a:prstGeom prst="rect">
+              <a:avLst/>
+            </a:prstGeom>
+            <a:solidFill>
+              <a:srgbClr val="FDE7F7"/>
+            </a:solidFill>
+            <a:ln>
+              <a:solidFill>
+                <a:srgbClr val="FDE7F7"/>
+              </a:solidFill>
+            </a:ln>
+          </p:spPr>
+          <p:style>
+            <a:lnRef idx="2">
+              <a:schemeClr val="accent1">
+                <a:shade val="15000"/>
+              </a:schemeClr>
+            </a:lnRef>
+            <a:fillRef idx="1">
+              <a:schemeClr val="accent1"/>
+            </a:fillRef>
+            <a:effectRef idx="0">
+              <a:schemeClr val="accent1"/>
+            </a:effectRef>
+            <a:fontRef idx="minor">
+              <a:schemeClr val="lt1"/>
+            </a:fontRef>
+          </p:style>
+          <p:txBody>
+            <a:bodyPr rtlCol="0" anchor="ctr"/>
+            <a:lstStyle/>
+            <a:p>
+              <a:pPr algn="ctr"/>
+              <a:r>
+                <a:rPr lang="zh-CN" altLang="en-US" sz="1400" b="1" dirty="0">
+                  <a:solidFill>
+                    <a:sysClr val="windowText" lastClr="000000"/>
+                  </a:solidFill>
+                </a:rPr>
+                <a:t>原子级视频信息的动态提取分析系统</a:t>
+              </a:r>
+              <a:endParaRPr lang="en-US" altLang="zh-CN" sz="1400" b="1" dirty="0">
+                <a:solidFill>
+                  <a:sysClr val="windowText" lastClr="000000"/>
+                </a:solidFill>
+              </a:endParaRPr>
+            </a:p>
+            <a:p>
+              <a:pPr algn="ctr"/>
+              <a:endParaRPr lang="en-US" altLang="zh-CN" sz="1400" b="1" dirty="0">
+                <a:solidFill>
+                  <a:sysClr val="windowText" lastClr="000000"/>
+                </a:solidFill>
+              </a:endParaRPr>
+            </a:p>
+            <a:p>
+              <a:pPr algn="ctr"/>
+              <a:endParaRPr lang="en-US" altLang="zh-CN" sz="1400" b="1" dirty="0">
+                <a:solidFill>
+                  <a:sysClr val="windowText" lastClr="000000"/>
+                </a:solidFill>
+              </a:endParaRPr>
+            </a:p>
+            <a:p>
+              <a:pPr algn="ctr"/>
+              <a:endParaRPr lang="zh-CN" altLang="en-US" sz="1400" dirty="0">
+                <a:solidFill>
+                  <a:sysClr val="windowText" lastClr="000000"/>
+                </a:solidFill>
+              </a:endParaRPr>
+            </a:p>
+          </p:txBody>
+        </p:sp>
+        <p:sp>
+          <p:nvSpPr>
+            <p:cNvPr id="11" name="矩形 10">
+              <a:extLst>
+                <a:ext uri="{FF2B5EF4-FFF2-40B4-BE49-F238E27FC236}">
+                  <a16:creationId xmlns:a16="http://schemas.microsoft.com/office/drawing/2014/main" id="{96947A4E-0987-43FD-22CA-8E93C7173E02}"/>
+                </a:ext>
+              </a:extLst>
+            </p:cNvPr>
+            <p:cNvSpPr/>
+            <p:nvPr/>
+          </p:nvSpPr>
+          <p:spPr>
+            <a:xfrm>
+              <a:off x="8833434" y="1613813"/>
+              <a:ext cx="2025226" cy="1036319"/>
+            </a:xfrm>
+            <a:prstGeom prst="rect">
+              <a:avLst/>
+            </a:prstGeom>
+            <a:solidFill>
+              <a:schemeClr val="accent5">
+                <a:lumMod val="20000"/>
+                <a:lumOff val="80000"/>
+              </a:schemeClr>
+            </a:solidFill>
+            <a:ln>
+              <a:solidFill>
+                <a:schemeClr val="accent5">
+                  <a:lumMod val="20000"/>
+                  <a:lumOff val="80000"/>
+                </a:schemeClr>
+              </a:solidFill>
+            </a:ln>
+          </p:spPr>
+          <p:style>
+            <a:lnRef idx="2">
+              <a:schemeClr val="accent1">
+                <a:shade val="15000"/>
+              </a:schemeClr>
+            </a:lnRef>
+            <a:fillRef idx="1">
+              <a:schemeClr val="accent1"/>
+            </a:fillRef>
+            <a:effectRef idx="0">
+              <a:schemeClr val="accent1"/>
+            </a:effectRef>
+            <a:fontRef idx="minor">
+              <a:schemeClr val="lt1"/>
+            </a:fontRef>
+          </p:style>
+          <p:txBody>
+            <a:bodyPr rtlCol="0" anchor="ctr"/>
+            <a:lstStyle/>
+            <a:p>
+              <a:pPr algn="ctr"/>
+              <a:r>
+                <a:rPr lang="zh-CN" altLang="en-US" sz="1600" b="1" dirty="0">
+                  <a:solidFill>
+                    <a:sysClr val="windowText" lastClr="000000"/>
+                  </a:solidFill>
+                </a:rPr>
+                <a:t>缺少物理约束，难以生成质量保持的图像</a:t>
+              </a:r>
+            </a:p>
+          </p:txBody>
+        </p:sp>
+        <p:sp>
+          <p:nvSpPr>
+            <p:cNvPr id="12" name="矩形 11">
+              <a:extLst>
+                <a:ext uri="{FF2B5EF4-FFF2-40B4-BE49-F238E27FC236}">
+                  <a16:creationId xmlns:a16="http://schemas.microsoft.com/office/drawing/2014/main" id="{79C4676C-03FA-7DEE-F61D-C040B0E8E5AC}"/>
+                </a:ext>
+              </a:extLst>
+            </p:cNvPr>
+            <p:cNvSpPr/>
+            <p:nvPr/>
+          </p:nvSpPr>
+          <p:spPr>
+            <a:xfrm>
+              <a:off x="8833434" y="3022752"/>
+              <a:ext cx="2025226" cy="1036319"/>
+            </a:xfrm>
+            <a:prstGeom prst="rect">
+              <a:avLst/>
+            </a:prstGeom>
+            <a:solidFill>
+              <a:schemeClr val="accent5">
+                <a:lumMod val="20000"/>
+                <a:lumOff val="80000"/>
+              </a:schemeClr>
+            </a:solidFill>
+            <a:ln>
+              <a:solidFill>
+                <a:schemeClr val="accent5">
+                  <a:lumMod val="20000"/>
+                  <a:lumOff val="80000"/>
+                </a:schemeClr>
+              </a:solidFill>
+            </a:ln>
+          </p:spPr>
+          <p:style>
+            <a:lnRef idx="2">
+              <a:schemeClr val="accent1">
+                <a:shade val="15000"/>
+              </a:schemeClr>
+            </a:lnRef>
+            <a:fillRef idx="1">
+              <a:schemeClr val="accent1"/>
+            </a:fillRef>
+            <a:effectRef idx="0">
+              <a:schemeClr val="accent1"/>
+            </a:effectRef>
+            <a:fontRef idx="minor">
+              <a:schemeClr val="lt1"/>
+            </a:fontRef>
+          </p:style>
+          <p:txBody>
+            <a:bodyPr rtlCol="0" anchor="ctr"/>
+            <a:lstStyle/>
+            <a:p>
+              <a:pPr algn="ctr"/>
+              <a:r>
+                <a:rPr lang="zh-CN" altLang="en-US" sz="1600" b="1" dirty="0">
+                  <a:solidFill>
+                    <a:sysClr val="windowText" lastClr="000000"/>
+                  </a:solidFill>
+                </a:rPr>
+                <a:t>质量提升与原子分割的多源特征难以联合优化提升整体精度</a:t>
+              </a:r>
+              <a:endParaRPr lang="zh-CN" altLang="en-US" sz="1600" dirty="0">
+                <a:solidFill>
+                  <a:sysClr val="windowText" lastClr="000000"/>
+                </a:solidFill>
+              </a:endParaRPr>
+            </a:p>
+          </p:txBody>
+        </p:sp>
+        <p:sp>
+          <p:nvSpPr>
+            <p:cNvPr id="13" name="矩形 12">
+              <a:extLst>
+                <a:ext uri="{FF2B5EF4-FFF2-40B4-BE49-F238E27FC236}">
+                  <a16:creationId xmlns:a16="http://schemas.microsoft.com/office/drawing/2014/main" id="{24F76D73-A7F8-64E3-BC13-3AC960D73382}"/>
+                </a:ext>
+              </a:extLst>
+            </p:cNvPr>
+            <p:cNvSpPr/>
+            <p:nvPr/>
+          </p:nvSpPr>
+          <p:spPr>
+            <a:xfrm>
+              <a:off x="8833434" y="4395892"/>
+              <a:ext cx="2025226" cy="1036319"/>
+            </a:xfrm>
+            <a:prstGeom prst="rect">
+              <a:avLst/>
+            </a:prstGeom>
+            <a:solidFill>
+              <a:schemeClr val="accent5">
+                <a:lumMod val="20000"/>
+                <a:lumOff val="80000"/>
+              </a:schemeClr>
+            </a:solidFill>
+            <a:ln>
+              <a:solidFill>
+                <a:schemeClr val="accent5">
+                  <a:lumMod val="20000"/>
+                  <a:lumOff val="80000"/>
+                </a:schemeClr>
+              </a:solidFill>
+            </a:ln>
+          </p:spPr>
+          <p:style>
+            <a:lnRef idx="2">
+              <a:schemeClr val="accent1">
+                <a:shade val="15000"/>
+              </a:schemeClr>
+            </a:lnRef>
+            <a:fillRef idx="1">
+              <a:schemeClr val="accent1"/>
+            </a:fillRef>
+            <a:effectRef idx="0">
+              <a:schemeClr val="accent1"/>
+            </a:effectRef>
+            <a:fontRef idx="minor">
+              <a:schemeClr val="lt1"/>
+            </a:fontRef>
+          </p:style>
+          <p:txBody>
+            <a:bodyPr rtlCol="0" anchor="ctr"/>
+            <a:lstStyle/>
+            <a:p>
+              <a:pPr algn="ctr"/>
+              <a:r>
+                <a:rPr lang="zh-CN" altLang="en-US" sz="1600" b="1" dirty="0">
+                  <a:solidFill>
+                    <a:sysClr val="windowText" lastClr="000000"/>
+                  </a:solidFill>
+                </a:rPr>
+                <a:t>时序图像的关键信息批量提取的自动化程度低、集成性差</a:t>
+              </a:r>
+              <a:endParaRPr lang="zh-CN" altLang="en-US" sz="1600" dirty="0">
+                <a:solidFill>
+                  <a:sysClr val="windowText" lastClr="000000"/>
+                </a:solidFill>
+              </a:endParaRPr>
+            </a:p>
+          </p:txBody>
+        </p:sp>
+        <p:grpSp>
+          <p:nvGrpSpPr>
+            <p:cNvPr id="18" name="组合 17">
+              <a:extLst>
+                <a:ext uri="{FF2B5EF4-FFF2-40B4-BE49-F238E27FC236}">
+                  <a16:creationId xmlns:a16="http://schemas.microsoft.com/office/drawing/2014/main" id="{176599D4-E46B-020F-E67D-41D414F561DB}"/>
+                </a:ext>
+              </a:extLst>
+            </p:cNvPr>
+            <p:cNvGrpSpPr/>
+            <p:nvPr/>
+          </p:nvGrpSpPr>
+          <p:grpSpPr>
+            <a:xfrm>
+              <a:off x="4864539" y="1514393"/>
+              <a:ext cx="3482696" cy="1235158"/>
+              <a:chOff x="4864539" y="1514393"/>
+              <a:chExt cx="3482696" cy="1235158"/>
+            </a:xfrm>
+          </p:grpSpPr>
+          <p:sp>
+            <p:nvSpPr>
+              <p:cNvPr id="8" name="矩形 7">
+                <a:extLst>
+                  <a:ext uri="{FF2B5EF4-FFF2-40B4-BE49-F238E27FC236}">
+                    <a16:creationId xmlns:a16="http://schemas.microsoft.com/office/drawing/2014/main" id="{CF9549DF-5555-85C8-4CF3-6ACE02F819E4}"/>
+                  </a:ext>
+                </a:extLst>
+              </p:cNvPr>
+              <p:cNvSpPr/>
+              <p:nvPr/>
+            </p:nvSpPr>
+            <p:spPr>
+              <a:xfrm>
+                <a:off x="4864539" y="1514393"/>
+                <a:ext cx="3482696" cy="1235158"/>
+              </a:xfrm>
+              <a:prstGeom prst="rect">
+                <a:avLst/>
+              </a:prstGeom>
+              <a:solidFill>
+                <a:srgbClr val="FDE7F7"/>
+              </a:solidFill>
+              <a:ln>
+                <a:solidFill>
+                  <a:srgbClr val="FDE7F7"/>
+                </a:solidFill>
+              </a:ln>
+            </p:spPr>
+            <p:style>
+              <a:lnRef idx="2">
+                <a:schemeClr val="accent1">
+                  <a:shade val="15000"/>
+                </a:schemeClr>
+              </a:lnRef>
+              <a:fillRef idx="1">
+                <a:schemeClr val="accent1"/>
+              </a:fillRef>
+              <a:effectRef idx="0">
+                <a:schemeClr val="accent1"/>
+              </a:effectRef>
+              <a:fontRef idx="minor">
+                <a:schemeClr val="lt1"/>
+              </a:fontRef>
+            </p:style>
+            <p:txBody>
+              <a:bodyPr rtlCol="0" anchor="ctr"/>
+              <a:lstStyle/>
+              <a:p>
+                <a:pPr algn="ctr"/>
+                <a:endParaRPr lang="en-US" altLang="zh-CN" sz="1400" b="1" dirty="0">
+                  <a:solidFill>
+                    <a:sysClr val="windowText" lastClr="000000"/>
+                  </a:solidFill>
+                </a:endParaRPr>
+              </a:p>
+              <a:p>
+                <a:pPr algn="ctr"/>
+                <a:r>
+                  <a:rPr lang="zh-CN" altLang="en-US" sz="1400" b="1" dirty="0">
+                    <a:solidFill>
+                      <a:sysClr val="windowText" lastClr="000000"/>
+                    </a:solidFill>
+                  </a:rPr>
+                  <a:t>基于结构保持的非配对图像质量提升</a:t>
+                </a:r>
+                <a:endParaRPr lang="en-US" altLang="zh-CN" sz="1400" b="1" dirty="0">
+                  <a:solidFill>
+                    <a:sysClr val="windowText" lastClr="000000"/>
+                  </a:solidFill>
+                </a:endParaRPr>
+              </a:p>
+              <a:p>
+                <a:pPr algn="ctr"/>
+                <a:endParaRPr lang="en-US" altLang="zh-CN" sz="1400" b="1" dirty="0">
+                  <a:solidFill>
+                    <a:sysClr val="windowText" lastClr="000000"/>
+                  </a:solidFill>
+                </a:endParaRPr>
+              </a:p>
+              <a:p>
+                <a:pPr algn="ctr"/>
+                <a:endParaRPr lang="en-US" altLang="zh-CN" sz="1400" b="1" dirty="0">
+                  <a:solidFill>
+                    <a:sysClr val="windowText" lastClr="000000"/>
+                  </a:solidFill>
+                </a:endParaRPr>
+              </a:p>
+              <a:p>
+                <a:pPr algn="ctr"/>
+                <a:endParaRPr lang="en-US" altLang="zh-CN" sz="1400" b="1" dirty="0">
+                  <a:solidFill>
+                    <a:sysClr val="windowText" lastClr="000000"/>
+                  </a:solidFill>
+                </a:endParaRPr>
+              </a:p>
+              <a:p>
+                <a:pPr algn="ctr"/>
+                <a:endParaRPr lang="en-US" altLang="zh-CN" sz="1400" b="1" dirty="0">
+                  <a:solidFill>
+                    <a:sysClr val="windowText" lastClr="000000"/>
+                  </a:solidFill>
+                </a:endParaRPr>
+              </a:p>
+              <a:p>
+                <a:pPr algn="ctr"/>
+                <a:endParaRPr lang="zh-CN" altLang="en-US" sz="1400" dirty="0">
+                  <a:solidFill>
+                    <a:sysClr val="windowText" lastClr="000000"/>
+                  </a:solidFill>
+                </a:endParaRPr>
+              </a:p>
+            </p:txBody>
+          </p:sp>
+          <p:sp>
+            <p:nvSpPr>
+              <p:cNvPr id="14" name="矩形 13">
+                <a:extLst>
+                  <a:ext uri="{FF2B5EF4-FFF2-40B4-BE49-F238E27FC236}">
+                    <a16:creationId xmlns:a16="http://schemas.microsoft.com/office/drawing/2014/main" id="{D2D95E1A-7E21-25C9-90E9-DECB6DC64B62}"/>
+                  </a:ext>
+                </a:extLst>
+              </p:cNvPr>
+              <p:cNvSpPr/>
+              <p:nvPr/>
+            </p:nvSpPr>
+            <p:spPr>
+              <a:xfrm>
+                <a:off x="4989426" y="1856981"/>
+                <a:ext cx="3213016" cy="255206"/>
+              </a:xfrm>
+              <a:prstGeom prst="rect">
+                <a:avLst/>
+              </a:prstGeom>
+              <a:solidFill>
+                <a:srgbClr val="F7AFE2"/>
+              </a:solidFill>
+              <a:ln>
+                <a:solidFill>
+                  <a:srgbClr val="F7AFE2"/>
+                </a:solidFill>
+              </a:ln>
+            </p:spPr>
+            <p:style>
+              <a:lnRef idx="2">
+                <a:schemeClr val="accent1">
+                  <a:shade val="15000"/>
+                </a:schemeClr>
+              </a:lnRef>
+              <a:fillRef idx="1">
+                <a:schemeClr val="accent1"/>
+              </a:fillRef>
+              <a:effectRef idx="0">
+                <a:schemeClr val="accent1"/>
+              </a:effectRef>
+              <a:fontRef idx="minor">
+                <a:schemeClr val="lt1"/>
+              </a:fontRef>
+            </p:style>
+            <p:txBody>
+              <a:bodyPr rtlCol="0" anchor="ctr"/>
+              <a:lstStyle/>
+              <a:p>
+                <a:pPr algn="ctr"/>
+                <a:r>
+                  <a:rPr lang="zh-CN" altLang="en-US" sz="1200" b="1" dirty="0">
+                    <a:solidFill>
+                      <a:schemeClr val="tx1"/>
+                    </a:solidFill>
+                    <a:latin typeface="微软雅黑" panose="020B0503020204020204" pitchFamily="34" charset="-122"/>
+                    <a:ea typeface="微软雅黑" panose="020B0503020204020204" pitchFamily="34" charset="-122"/>
+                  </a:rPr>
+                  <a:t>空域频域联合特征提取</a:t>
+                </a:r>
+              </a:p>
+            </p:txBody>
+          </p:sp>
+          <p:sp>
+            <p:nvSpPr>
+              <p:cNvPr id="15" name="矩形 14">
+                <a:extLst>
+                  <a:ext uri="{FF2B5EF4-FFF2-40B4-BE49-F238E27FC236}">
+                    <a16:creationId xmlns:a16="http://schemas.microsoft.com/office/drawing/2014/main" id="{483C87AC-AFF1-14DD-78EC-B7CB6B01FFA2}"/>
+                  </a:ext>
+                </a:extLst>
+              </p:cNvPr>
+              <p:cNvSpPr/>
+              <p:nvPr/>
+            </p:nvSpPr>
+            <p:spPr>
+              <a:xfrm>
+                <a:off x="4989426" y="2465591"/>
+                <a:ext cx="3213016" cy="223476"/>
+              </a:xfrm>
+              <a:prstGeom prst="rect">
+                <a:avLst/>
+              </a:prstGeom>
+              <a:solidFill>
+                <a:srgbClr val="F7AFE2"/>
+              </a:solidFill>
+              <a:ln>
+                <a:solidFill>
+                  <a:srgbClr val="F7AFE2"/>
+                </a:solidFill>
+              </a:ln>
+            </p:spPr>
+            <p:style>
+              <a:lnRef idx="2">
+                <a:schemeClr val="accent1">
+                  <a:shade val="15000"/>
+                </a:schemeClr>
+              </a:lnRef>
+              <a:fillRef idx="1">
+                <a:schemeClr val="accent1"/>
+              </a:fillRef>
+              <a:effectRef idx="0">
+                <a:schemeClr val="accent1"/>
+              </a:effectRef>
+              <a:fontRef idx="minor">
+                <a:schemeClr val="lt1"/>
+              </a:fontRef>
+            </p:style>
+            <p:txBody>
+              <a:bodyPr rtlCol="0" anchor="ctr"/>
+              <a:lstStyle/>
+              <a:p>
+                <a:pPr algn="ctr"/>
+                <a:r>
+                  <a:rPr lang="zh-CN" altLang="en-US" sz="1200" b="1" dirty="0">
+                    <a:solidFill>
+                      <a:schemeClr val="tx1"/>
+                    </a:solidFill>
+                    <a:latin typeface="微软雅黑" panose="020B0503020204020204" pitchFamily="34" charset="-122"/>
+                    <a:ea typeface="微软雅黑" panose="020B0503020204020204" pitchFamily="34" charset="-122"/>
+                  </a:rPr>
+                  <a:t>特征函数与频域一致性的结构约束设计</a:t>
+                </a:r>
+              </a:p>
+            </p:txBody>
+          </p:sp>
+          <p:sp>
+            <p:nvSpPr>
+              <p:cNvPr id="17" name="矩形 16">
+                <a:extLst>
+                  <a:ext uri="{FF2B5EF4-FFF2-40B4-BE49-F238E27FC236}">
+                    <a16:creationId xmlns:a16="http://schemas.microsoft.com/office/drawing/2014/main" id="{604E9FC4-36AB-1F85-4106-25CAC4B7EEEB}"/>
+                  </a:ext>
+                </a:extLst>
+              </p:cNvPr>
+              <p:cNvSpPr/>
+              <p:nvPr/>
+            </p:nvSpPr>
+            <p:spPr>
+              <a:xfrm>
+                <a:off x="4989426" y="2177151"/>
+                <a:ext cx="3213016" cy="223476"/>
+              </a:xfrm>
+              <a:prstGeom prst="rect">
+                <a:avLst/>
+              </a:prstGeom>
+              <a:solidFill>
+                <a:srgbClr val="F7AFE2"/>
+              </a:solidFill>
+              <a:ln>
+                <a:solidFill>
+                  <a:srgbClr val="F7AFE2"/>
+                </a:solidFill>
+              </a:ln>
+            </p:spPr>
+            <p:style>
+              <a:lnRef idx="2">
+                <a:schemeClr val="accent1">
+                  <a:shade val="15000"/>
+                </a:schemeClr>
+              </a:lnRef>
+              <a:fillRef idx="1">
+                <a:schemeClr val="accent1"/>
+              </a:fillRef>
+              <a:effectRef idx="0">
+                <a:schemeClr val="accent1"/>
+              </a:effectRef>
+              <a:fontRef idx="minor">
+                <a:schemeClr val="lt1"/>
+              </a:fontRef>
+            </p:style>
+            <p:txBody>
+              <a:bodyPr rtlCol="0" anchor="ctr"/>
+              <a:lstStyle/>
+              <a:p>
+                <a:pPr algn="ctr"/>
+                <a:r>
+                  <a:rPr lang="zh-CN" altLang="en-US" sz="1200" b="1" dirty="0">
+                    <a:solidFill>
+                      <a:schemeClr val="tx1"/>
+                    </a:solidFill>
+                    <a:latin typeface="微软雅黑" panose="020B0503020204020204" pitchFamily="34" charset="-122"/>
+                    <a:ea typeface="微软雅黑" panose="020B0503020204020204" pitchFamily="34" charset="-122"/>
+                  </a:rPr>
+                  <a:t>基于自注意力的全局结构一致性建模</a:t>
+                </a:r>
+              </a:p>
+            </p:txBody>
+          </p:sp>
+        </p:grpSp>
+        <p:sp>
+          <p:nvSpPr>
+            <p:cNvPr id="19" name="矩形 18">
+              <a:extLst>
+                <a:ext uri="{FF2B5EF4-FFF2-40B4-BE49-F238E27FC236}">
+                  <a16:creationId xmlns:a16="http://schemas.microsoft.com/office/drawing/2014/main" id="{32F1C4A3-CF48-6BAF-364F-928194DA76C7}"/>
+                </a:ext>
+              </a:extLst>
+            </p:cNvPr>
+            <p:cNvSpPr/>
+            <p:nvPr/>
+          </p:nvSpPr>
+          <p:spPr>
+            <a:xfrm>
+              <a:off x="4999379" y="3386638"/>
               <a:ext cx="3213016" cy="255206"/>
             </a:xfrm>
             <a:prstGeom prst="rect">
@@ -4509,17 +4720,17 @@
                   <a:latin typeface="微软雅黑" panose="020B0503020204020204" pitchFamily="34" charset="-122"/>
                   <a:ea typeface="微软雅黑" panose="020B0503020204020204" pitchFamily="34" charset="-122"/>
                 </a:rPr>
-                <a:t>空域频域联合特征提取</a:t>
+                <a:t>基于生成引导的语义一致性分割方法</a:t>
               </a:r>
             </a:p>
           </p:txBody>
         </p:sp>
         <p:sp>
           <p:nvSpPr>
-            <p:cNvPr id="15" name="矩形 14">
+            <p:cNvPr id="20" name="矩形 19">
               <a:extLst>
                 <a:ext uri="{FF2B5EF4-FFF2-40B4-BE49-F238E27FC236}">
-                  <a16:creationId xmlns:a16="http://schemas.microsoft.com/office/drawing/2014/main" id="{483C87AC-AFF1-14DD-78EC-B7CB6B01FFA2}"/>
+                  <a16:creationId xmlns:a16="http://schemas.microsoft.com/office/drawing/2014/main" id="{B03F5C70-2C56-412E-6535-AC7206CAE63A}"/>
                 </a:ext>
               </a:extLst>
             </p:cNvPr>
@@ -4528,8 +4739,8 @@
           </p:nvSpPr>
           <p:spPr>
             <a:xfrm>
-              <a:off x="4989426" y="2465591"/>
-              <a:ext cx="3213016" cy="223476"/>
+              <a:off x="4999379" y="3722854"/>
+              <a:ext cx="3213016" cy="255206"/>
             </a:xfrm>
             <a:prstGeom prst="rect">
               <a:avLst/>
@@ -4572,17 +4783,17 @@
                   <a:latin typeface="微软雅黑" panose="020B0503020204020204" pitchFamily="34" charset="-122"/>
                   <a:ea typeface="微软雅黑" panose="020B0503020204020204" pitchFamily="34" charset="-122"/>
                 </a:rPr>
-                <a:t>特征函数与频域一致性的结构约束设计</a:t>
+                <a:t>分割感知的掩膜加权循环一致性约束</a:t>
               </a:r>
             </a:p>
           </p:txBody>
         </p:sp>
         <p:sp>
           <p:nvSpPr>
-            <p:cNvPr id="17" name="矩形 16">
+            <p:cNvPr id="21" name="矩形 20">
               <a:extLst>
                 <a:ext uri="{FF2B5EF4-FFF2-40B4-BE49-F238E27FC236}">
-                  <a16:creationId xmlns:a16="http://schemas.microsoft.com/office/drawing/2014/main" id="{604E9FC4-36AB-1F85-4106-25CAC4B7EEEB}"/>
+                  <a16:creationId xmlns:a16="http://schemas.microsoft.com/office/drawing/2014/main" id="{87AD4322-FA78-12AD-B0FC-BAD2DB5FC3D9}"/>
                 </a:ext>
               </a:extLst>
             </p:cNvPr>
@@ -4591,8 +4802,8 @@
           </p:nvSpPr>
           <p:spPr>
             <a:xfrm>
-              <a:off x="4989426" y="2177151"/>
-              <a:ext cx="3213016" cy="223476"/>
+              <a:off x="4999379" y="4759186"/>
+              <a:ext cx="3213016" cy="255206"/>
             </a:xfrm>
             <a:prstGeom prst="rect">
               <a:avLst/>
@@ -4635,268 +4846,930 @@
                   <a:latin typeface="微软雅黑" panose="020B0503020204020204" pitchFamily="34" charset="-122"/>
                   <a:ea typeface="微软雅黑" panose="020B0503020204020204" pitchFamily="34" charset="-122"/>
                 </a:rPr>
-                <a:t>基于自注意力的全局结构一致性建模</a:t>
+                <a:t>自动化原子位置识别与处理</a:t>
+              </a:r>
+            </a:p>
+          </p:txBody>
+        </p:sp>
+        <p:sp>
+          <p:nvSpPr>
+            <p:cNvPr id="22" name="矩形 21">
+              <a:extLst>
+                <a:ext uri="{FF2B5EF4-FFF2-40B4-BE49-F238E27FC236}">
+                  <a16:creationId xmlns:a16="http://schemas.microsoft.com/office/drawing/2014/main" id="{373899F6-5237-1565-70FE-EF20BAD1FE7B}"/>
+                </a:ext>
+              </a:extLst>
+            </p:cNvPr>
+            <p:cNvSpPr/>
+            <p:nvPr/>
+          </p:nvSpPr>
+          <p:spPr>
+            <a:xfrm>
+              <a:off x="4999379" y="5096007"/>
+              <a:ext cx="3213016" cy="255206"/>
+            </a:xfrm>
+            <a:prstGeom prst="rect">
+              <a:avLst/>
+            </a:prstGeom>
+            <a:solidFill>
+              <a:srgbClr val="F7AFE2"/>
+            </a:solidFill>
+            <a:ln>
+              <a:solidFill>
+                <a:srgbClr val="F7AFE2"/>
+              </a:solidFill>
+            </a:ln>
+          </p:spPr>
+          <p:style>
+            <a:lnRef idx="2">
+              <a:schemeClr val="accent1">
+                <a:shade val="15000"/>
+              </a:schemeClr>
+            </a:lnRef>
+            <a:fillRef idx="1">
+              <a:schemeClr val="accent1"/>
+            </a:fillRef>
+            <a:effectRef idx="0">
+              <a:schemeClr val="accent1"/>
+            </a:effectRef>
+            <a:fontRef idx="minor">
+              <a:schemeClr val="lt1"/>
+            </a:fontRef>
+          </p:style>
+          <p:txBody>
+            <a:bodyPr rtlCol="0" anchor="ctr"/>
+            <a:lstStyle/>
+            <a:p>
+              <a:pPr algn="ctr"/>
+              <a:r>
+                <a:rPr lang="zh-CN" altLang="en-US" sz="1200" b="1" dirty="0">
+                  <a:solidFill>
+                    <a:schemeClr val="tx1"/>
+                  </a:solidFill>
+                  <a:latin typeface="微软雅黑" panose="020B0503020204020204" pitchFamily="34" charset="-122"/>
+                  <a:ea typeface="微软雅黑" panose="020B0503020204020204" pitchFamily="34" charset="-122"/>
+                </a:rPr>
+                <a:t>细粒度信息动态提取</a:t>
               </a:r>
             </a:p>
           </p:txBody>
         </p:sp>
       </p:grpSp>
-      <p:sp>
-        <p:nvSpPr>
-          <p:cNvPr id="19" name="矩形 18">
-            <a:extLst>
-              <a:ext uri="{FF2B5EF4-FFF2-40B4-BE49-F238E27FC236}">
-                <a16:creationId xmlns:a16="http://schemas.microsoft.com/office/drawing/2014/main" id="{32F1C4A3-CF48-6BAF-364F-928194DA76C7}"/>
-              </a:ext>
-            </a:extLst>
-          </p:cNvPr>
-          <p:cNvSpPr/>
-          <p:nvPr/>
-        </p:nvSpPr>
-        <p:spPr>
-          <a:xfrm>
-            <a:off x="4999379" y="3386638"/>
-            <a:ext cx="3213016" cy="255206"/>
-          </a:xfrm>
-          <a:prstGeom prst="rect">
-            <a:avLst/>
-          </a:prstGeom>
-          <a:solidFill>
-            <a:srgbClr val="F7AFE2"/>
-          </a:solidFill>
-          <a:ln>
-            <a:solidFill>
-              <a:srgbClr val="F7AFE2"/>
-            </a:solidFill>
-          </a:ln>
-        </p:spPr>
-        <p:style>
-          <a:lnRef idx="2">
-            <a:schemeClr val="accent1">
-              <a:shade val="15000"/>
-            </a:schemeClr>
-          </a:lnRef>
-          <a:fillRef idx="1">
-            <a:schemeClr val="accent1"/>
-          </a:fillRef>
-          <a:effectRef idx="0">
-            <a:schemeClr val="accent1"/>
-          </a:effectRef>
-          <a:fontRef idx="minor">
-            <a:schemeClr val="lt1"/>
-          </a:fontRef>
-        </p:style>
-        <p:txBody>
-          <a:bodyPr rtlCol="0" anchor="ctr"/>
-          <a:lstStyle/>
-          <a:p>
-            <a:pPr algn="ctr"/>
-            <a:r>
-              <a:rPr lang="zh-CN" altLang="en-US" sz="1200" b="1" dirty="0">
-                <a:solidFill>
-                  <a:schemeClr val="tx1"/>
-                </a:solidFill>
-                <a:latin typeface="微软雅黑" panose="020B0503020204020204" pitchFamily="34" charset="-122"/>
-                <a:ea typeface="微软雅黑" panose="020B0503020204020204" pitchFamily="34" charset="-122"/>
-              </a:rPr>
-              <a:t>空域频域联合特征提取</a:t>
-            </a:r>
-          </a:p>
-        </p:txBody>
-      </p:sp>
-      <p:sp>
-        <p:nvSpPr>
-          <p:cNvPr id="20" name="矩形 19">
-            <a:extLst>
-              <a:ext uri="{FF2B5EF4-FFF2-40B4-BE49-F238E27FC236}">
-                <a16:creationId xmlns:a16="http://schemas.microsoft.com/office/drawing/2014/main" id="{B03F5C70-2C56-412E-6535-AC7206CAE63A}"/>
-              </a:ext>
-            </a:extLst>
-          </p:cNvPr>
-          <p:cNvSpPr/>
-          <p:nvPr/>
-        </p:nvSpPr>
-        <p:spPr>
-          <a:xfrm>
-            <a:off x="4999379" y="3722854"/>
-            <a:ext cx="3213016" cy="255206"/>
-          </a:xfrm>
-          <a:prstGeom prst="rect">
-            <a:avLst/>
-          </a:prstGeom>
-          <a:solidFill>
-            <a:srgbClr val="F7AFE2"/>
-          </a:solidFill>
-          <a:ln>
-            <a:solidFill>
-              <a:srgbClr val="F7AFE2"/>
-            </a:solidFill>
-          </a:ln>
-        </p:spPr>
-        <p:style>
-          <a:lnRef idx="2">
-            <a:schemeClr val="accent1">
-              <a:shade val="15000"/>
-            </a:schemeClr>
-          </a:lnRef>
-          <a:fillRef idx="1">
-            <a:schemeClr val="accent1"/>
-          </a:fillRef>
-          <a:effectRef idx="0">
-            <a:schemeClr val="accent1"/>
-          </a:effectRef>
-          <a:fontRef idx="minor">
-            <a:schemeClr val="lt1"/>
-          </a:fontRef>
-        </p:style>
-        <p:txBody>
-          <a:bodyPr rtlCol="0" anchor="ctr"/>
-          <a:lstStyle/>
-          <a:p>
-            <a:pPr algn="ctr"/>
-            <a:r>
-              <a:rPr lang="zh-CN" altLang="en-US" sz="1200" b="1" dirty="0">
-                <a:solidFill>
-                  <a:schemeClr val="tx1"/>
-                </a:solidFill>
-                <a:latin typeface="微软雅黑" panose="020B0503020204020204" pitchFamily="34" charset="-122"/>
-                <a:ea typeface="微软雅黑" panose="020B0503020204020204" pitchFamily="34" charset="-122"/>
-              </a:rPr>
-              <a:t>空域频域联合特征提取</a:t>
-            </a:r>
-          </a:p>
-        </p:txBody>
-      </p:sp>
-      <p:sp>
-        <p:nvSpPr>
-          <p:cNvPr id="21" name="矩形 20">
-            <a:extLst>
-              <a:ext uri="{FF2B5EF4-FFF2-40B4-BE49-F238E27FC236}">
-                <a16:creationId xmlns:a16="http://schemas.microsoft.com/office/drawing/2014/main" id="{87AD4322-FA78-12AD-B0FC-BAD2DB5FC3D9}"/>
-              </a:ext>
-            </a:extLst>
-          </p:cNvPr>
-          <p:cNvSpPr/>
-          <p:nvPr/>
-        </p:nvSpPr>
-        <p:spPr>
-          <a:xfrm>
-            <a:off x="4999379" y="4759186"/>
-            <a:ext cx="3213016" cy="255206"/>
-          </a:xfrm>
-          <a:prstGeom prst="rect">
-            <a:avLst/>
-          </a:prstGeom>
-          <a:solidFill>
-            <a:srgbClr val="F7AFE2"/>
-          </a:solidFill>
-          <a:ln>
-            <a:solidFill>
-              <a:srgbClr val="F7AFE2"/>
-            </a:solidFill>
-          </a:ln>
-        </p:spPr>
-        <p:style>
-          <a:lnRef idx="2">
-            <a:schemeClr val="accent1">
-              <a:shade val="15000"/>
-            </a:schemeClr>
-          </a:lnRef>
-          <a:fillRef idx="1">
-            <a:schemeClr val="accent1"/>
-          </a:fillRef>
-          <a:effectRef idx="0">
-            <a:schemeClr val="accent1"/>
-          </a:effectRef>
-          <a:fontRef idx="minor">
-            <a:schemeClr val="lt1"/>
-          </a:fontRef>
-        </p:style>
-        <p:txBody>
-          <a:bodyPr rtlCol="0" anchor="ctr"/>
-          <a:lstStyle/>
-          <a:p>
-            <a:pPr algn="ctr"/>
-            <a:r>
-              <a:rPr lang="zh-CN" altLang="en-US" sz="1200" b="1" dirty="0">
-                <a:solidFill>
-                  <a:schemeClr val="tx1"/>
-                </a:solidFill>
-                <a:latin typeface="微软雅黑" panose="020B0503020204020204" pitchFamily="34" charset="-122"/>
-                <a:ea typeface="微软雅黑" panose="020B0503020204020204" pitchFamily="34" charset="-122"/>
-              </a:rPr>
-              <a:t>自动化原子位置识别与处理</a:t>
-            </a:r>
-          </a:p>
-        </p:txBody>
-      </p:sp>
-      <p:sp>
-        <p:nvSpPr>
-          <p:cNvPr id="22" name="矩形 21">
-            <a:extLst>
-              <a:ext uri="{FF2B5EF4-FFF2-40B4-BE49-F238E27FC236}">
-                <a16:creationId xmlns:a16="http://schemas.microsoft.com/office/drawing/2014/main" id="{373899F6-5237-1565-70FE-EF20BAD1FE7B}"/>
-              </a:ext>
-            </a:extLst>
-          </p:cNvPr>
-          <p:cNvSpPr/>
-          <p:nvPr/>
-        </p:nvSpPr>
-        <p:spPr>
-          <a:xfrm>
-            <a:off x="4999379" y="5096007"/>
-            <a:ext cx="3213016" cy="255206"/>
-          </a:xfrm>
-          <a:prstGeom prst="rect">
-            <a:avLst/>
-          </a:prstGeom>
-          <a:solidFill>
-            <a:srgbClr val="F7AFE2"/>
-          </a:solidFill>
-          <a:ln>
-            <a:solidFill>
-              <a:srgbClr val="F7AFE2"/>
-            </a:solidFill>
-          </a:ln>
-        </p:spPr>
-        <p:style>
-          <a:lnRef idx="2">
-            <a:schemeClr val="accent1">
-              <a:shade val="15000"/>
-            </a:schemeClr>
-          </a:lnRef>
-          <a:fillRef idx="1">
-            <a:schemeClr val="accent1"/>
-          </a:fillRef>
-          <a:effectRef idx="0">
-            <a:schemeClr val="accent1"/>
-          </a:effectRef>
-          <a:fontRef idx="minor">
-            <a:schemeClr val="lt1"/>
-          </a:fontRef>
-        </p:style>
-        <p:txBody>
-          <a:bodyPr rtlCol="0" anchor="ctr"/>
-          <a:lstStyle/>
-          <a:p>
-            <a:pPr algn="ctr"/>
-            <a:r>
-              <a:rPr lang="zh-CN" altLang="en-US" sz="1200" b="1" dirty="0">
-                <a:solidFill>
-                  <a:schemeClr val="tx1"/>
-                </a:solidFill>
-                <a:latin typeface="微软雅黑" panose="020B0503020204020204" pitchFamily="34" charset="-122"/>
-                <a:ea typeface="微软雅黑" panose="020B0503020204020204" pitchFamily="34" charset="-122"/>
-              </a:rPr>
-              <a:t>细粒度信息动态提取</a:t>
-            </a:r>
-          </a:p>
-        </p:txBody>
-      </p:sp>
     </p:spTree>
     <p:extLst>
       <p:ext uri="{BB962C8B-B14F-4D97-AF65-F5344CB8AC3E}">
         <p14:creationId xmlns:p14="http://schemas.microsoft.com/office/powerpoint/2010/main" val="3853310633"/>
+      </p:ext>
+    </p:extLst>
+  </p:cSld>
+  <p:clrMapOvr>
+    <a:masterClrMapping/>
+  </p:clrMapOvr>
+</p:sld>
+</file>
+
+<file path=ppt/slides/slide2.xml><?xml version="1.0" encoding="utf-8"?>
+<p:sld xmlns:a="http://schemas.openxmlformats.org/drawingml/2006/main" xmlns:r="http://schemas.openxmlformats.org/officeDocument/2006/relationships" xmlns:p="http://schemas.openxmlformats.org/presentationml/2006/main">
+  <p:cSld>
+    <p:spTree>
+      <p:nvGrpSpPr>
+        <p:cNvPr id="1" name=""/>
+        <p:cNvGrpSpPr/>
+        <p:nvPr/>
+      </p:nvGrpSpPr>
+      <p:grpSpPr>
+        <a:xfrm>
+          <a:off x="0" y="0"/>
+          <a:ext cx="0" cy="0"/>
+          <a:chOff x="0" y="0"/>
+          <a:chExt cx="0" cy="0"/>
+        </a:xfrm>
+      </p:grpSpPr>
+      <p:grpSp>
+        <p:nvGrpSpPr>
+          <p:cNvPr id="24" name="组合 23">
+            <a:extLst>
+              <a:ext uri="{FF2B5EF4-FFF2-40B4-BE49-F238E27FC236}">
+                <a16:creationId xmlns:a16="http://schemas.microsoft.com/office/drawing/2014/main" id="{DC223133-5C88-932B-1914-80257E17852D}"/>
+              </a:ext>
+            </a:extLst>
+          </p:cNvPr>
+          <p:cNvGrpSpPr/>
+          <p:nvPr/>
+        </p:nvGrpSpPr>
+        <p:grpSpPr>
+          <a:xfrm>
+            <a:off x="3222171" y="191589"/>
+            <a:ext cx="8647612" cy="4145280"/>
+            <a:chOff x="3222171" y="191589"/>
+            <a:chExt cx="8647612" cy="4145280"/>
+          </a:xfrm>
+        </p:grpSpPr>
+        <p:sp>
+          <p:nvSpPr>
+            <p:cNvPr id="23" name="矩形: 圆角 22">
+              <a:extLst>
+                <a:ext uri="{FF2B5EF4-FFF2-40B4-BE49-F238E27FC236}">
+                  <a16:creationId xmlns:a16="http://schemas.microsoft.com/office/drawing/2014/main" id="{260D0059-0D6D-DD85-1629-E5CA29A874D3}"/>
+                </a:ext>
+              </a:extLst>
+            </p:cNvPr>
+            <p:cNvSpPr/>
+            <p:nvPr/>
+          </p:nvSpPr>
+          <p:spPr>
+            <a:xfrm>
+              <a:off x="3222171" y="191589"/>
+              <a:ext cx="8647612" cy="4145280"/>
+            </a:xfrm>
+            <a:prstGeom prst="roundRect">
+              <a:avLst/>
+            </a:prstGeom>
+            <a:solidFill>
+              <a:schemeClr val="accent5">
+                <a:lumMod val="20000"/>
+                <a:lumOff val="80000"/>
+              </a:schemeClr>
+            </a:solidFill>
+          </p:spPr>
+          <p:style>
+            <a:lnRef idx="2">
+              <a:schemeClr val="accent1">
+                <a:shade val="15000"/>
+              </a:schemeClr>
+            </a:lnRef>
+            <a:fillRef idx="1">
+              <a:schemeClr val="accent1"/>
+            </a:fillRef>
+            <a:effectRef idx="0">
+              <a:schemeClr val="accent1"/>
+            </a:effectRef>
+            <a:fontRef idx="minor">
+              <a:schemeClr val="lt1"/>
+            </a:fontRef>
+          </p:style>
+          <p:txBody>
+            <a:bodyPr rtlCol="0" anchor="ctr"/>
+            <a:lstStyle/>
+            <a:p>
+              <a:pPr algn="ctr"/>
+              <a:endParaRPr lang="zh-CN" altLang="en-US"/>
+            </a:p>
+          </p:txBody>
+        </p:sp>
+        <p:sp>
+          <p:nvSpPr>
+            <p:cNvPr id="4" name="矩形 3">
+              <a:extLst>
+                <a:ext uri="{FF2B5EF4-FFF2-40B4-BE49-F238E27FC236}">
+                  <a16:creationId xmlns:a16="http://schemas.microsoft.com/office/drawing/2014/main" id="{958E7866-22E9-83AA-7322-B0775AA9CF22}"/>
+                </a:ext>
+              </a:extLst>
+            </p:cNvPr>
+            <p:cNvSpPr/>
+            <p:nvPr/>
+          </p:nvSpPr>
+          <p:spPr>
+            <a:xfrm>
+              <a:off x="5799908" y="418013"/>
+              <a:ext cx="3396343" cy="435429"/>
+            </a:xfrm>
+            <a:prstGeom prst="rect">
+              <a:avLst/>
+            </a:prstGeom>
+            <a:solidFill>
+              <a:schemeClr val="accent3">
+                <a:lumMod val="20000"/>
+                <a:lumOff val="80000"/>
+              </a:schemeClr>
+            </a:solidFill>
+            <a:ln>
+              <a:solidFill>
+                <a:schemeClr val="accent4">
+                  <a:lumMod val="60000"/>
+                  <a:lumOff val="40000"/>
+                </a:schemeClr>
+              </a:solidFill>
+            </a:ln>
+          </p:spPr>
+          <p:style>
+            <a:lnRef idx="2">
+              <a:schemeClr val="accent1">
+                <a:shade val="15000"/>
+              </a:schemeClr>
+            </a:lnRef>
+            <a:fillRef idx="1">
+              <a:schemeClr val="accent1"/>
+            </a:fillRef>
+            <a:effectRef idx="0">
+              <a:schemeClr val="accent1"/>
+            </a:effectRef>
+            <a:fontRef idx="minor">
+              <a:schemeClr val="lt1"/>
+            </a:fontRef>
+          </p:style>
+          <p:txBody>
+            <a:bodyPr rtlCol="0" anchor="ctr"/>
+            <a:lstStyle/>
+            <a:p>
+              <a:pPr algn="ctr"/>
+              <a:r>
+                <a:rPr lang="zh-CN" altLang="en-US" b="1" dirty="0">
+                  <a:solidFill>
+                    <a:sysClr val="windowText" lastClr="000000"/>
+                  </a:solidFill>
+                </a:rPr>
+                <a:t>第一章 引言</a:t>
+              </a:r>
+            </a:p>
+          </p:txBody>
+        </p:sp>
+        <p:sp>
+          <p:nvSpPr>
+            <p:cNvPr id="5" name="矩形 4">
+              <a:extLst>
+                <a:ext uri="{FF2B5EF4-FFF2-40B4-BE49-F238E27FC236}">
+                  <a16:creationId xmlns:a16="http://schemas.microsoft.com/office/drawing/2014/main" id="{BE4F45E2-EFF4-B5A2-E80A-DA319B7C3256}"/>
+                </a:ext>
+              </a:extLst>
+            </p:cNvPr>
+            <p:cNvSpPr/>
+            <p:nvPr/>
+          </p:nvSpPr>
+          <p:spPr>
+            <a:xfrm>
+              <a:off x="5799908" y="1110343"/>
+              <a:ext cx="3396343" cy="435430"/>
+            </a:xfrm>
+            <a:prstGeom prst="rect">
+              <a:avLst/>
+            </a:prstGeom>
+            <a:solidFill>
+              <a:schemeClr val="accent3">
+                <a:lumMod val="20000"/>
+                <a:lumOff val="80000"/>
+              </a:schemeClr>
+            </a:solidFill>
+            <a:ln>
+              <a:solidFill>
+                <a:schemeClr val="accent4">
+                  <a:lumMod val="60000"/>
+                  <a:lumOff val="40000"/>
+                </a:schemeClr>
+              </a:solidFill>
+            </a:ln>
+          </p:spPr>
+          <p:style>
+            <a:lnRef idx="2">
+              <a:schemeClr val="accent1">
+                <a:shade val="15000"/>
+              </a:schemeClr>
+            </a:lnRef>
+            <a:fillRef idx="1">
+              <a:schemeClr val="accent1"/>
+            </a:fillRef>
+            <a:effectRef idx="0">
+              <a:schemeClr val="accent1"/>
+            </a:effectRef>
+            <a:fontRef idx="minor">
+              <a:schemeClr val="lt1"/>
+            </a:fontRef>
+          </p:style>
+          <p:txBody>
+            <a:bodyPr rtlCol="0" anchor="ctr"/>
+            <a:lstStyle/>
+            <a:p>
+              <a:pPr algn="ctr"/>
+              <a:r>
+                <a:rPr lang="zh-CN" altLang="en-US" b="1" dirty="0">
+                  <a:solidFill>
+                    <a:sysClr val="windowText" lastClr="000000"/>
+                  </a:solidFill>
+                </a:rPr>
+                <a:t>第二章 文献综述</a:t>
+              </a:r>
+              <a:endParaRPr lang="en-US" altLang="zh-CN" b="1" dirty="0">
+                <a:solidFill>
+                  <a:sysClr val="windowText" lastClr="000000"/>
+                </a:solidFill>
+              </a:endParaRPr>
+            </a:p>
+          </p:txBody>
+        </p:sp>
+        <p:sp>
+          <p:nvSpPr>
+            <p:cNvPr id="6" name="矩形 5">
+              <a:extLst>
+                <a:ext uri="{FF2B5EF4-FFF2-40B4-BE49-F238E27FC236}">
+                  <a16:creationId xmlns:a16="http://schemas.microsoft.com/office/drawing/2014/main" id="{CF3DA7F2-4373-C4A3-7A76-89BCBD153CB7}"/>
+                </a:ext>
+              </a:extLst>
+            </p:cNvPr>
+            <p:cNvSpPr/>
+            <p:nvPr/>
+          </p:nvSpPr>
+          <p:spPr>
+            <a:xfrm>
+              <a:off x="3418114" y="1915884"/>
+              <a:ext cx="3396343" cy="627017"/>
+            </a:xfrm>
+            <a:prstGeom prst="rect">
+              <a:avLst/>
+            </a:prstGeom>
+            <a:solidFill>
+              <a:schemeClr val="accent2">
+                <a:lumMod val="20000"/>
+                <a:lumOff val="80000"/>
+              </a:schemeClr>
+            </a:solidFill>
+            <a:ln>
+              <a:solidFill>
+                <a:schemeClr val="accent4">
+                  <a:lumMod val="60000"/>
+                  <a:lumOff val="40000"/>
+                </a:schemeClr>
+              </a:solidFill>
+            </a:ln>
+          </p:spPr>
+          <p:style>
+            <a:lnRef idx="2">
+              <a:schemeClr val="accent1">
+                <a:shade val="15000"/>
+              </a:schemeClr>
+            </a:lnRef>
+            <a:fillRef idx="1">
+              <a:schemeClr val="accent1"/>
+            </a:fillRef>
+            <a:effectRef idx="0">
+              <a:schemeClr val="accent1"/>
+            </a:effectRef>
+            <a:fontRef idx="minor">
+              <a:schemeClr val="lt1"/>
+            </a:fontRef>
+          </p:style>
+          <p:txBody>
+            <a:bodyPr rtlCol="0" anchor="ctr"/>
+            <a:lstStyle/>
+            <a:p>
+              <a:pPr algn="ctr"/>
+              <a:endParaRPr lang="en-US" altLang="zh-CN" b="1" dirty="0">
+                <a:solidFill>
+                  <a:sysClr val="windowText" lastClr="000000"/>
+                </a:solidFill>
+              </a:endParaRPr>
+            </a:p>
+            <a:p>
+              <a:pPr algn="ctr"/>
+              <a:r>
+                <a:rPr lang="zh-CN" altLang="en-US" b="1" dirty="0">
+                  <a:solidFill>
+                    <a:sysClr val="windowText" lastClr="000000"/>
+                  </a:solidFill>
+                </a:rPr>
+                <a:t>第三章</a:t>
+              </a:r>
+              <a:endParaRPr lang="en-US" altLang="zh-CN" b="1" dirty="0">
+                <a:solidFill>
+                  <a:sysClr val="windowText" lastClr="000000"/>
+                </a:solidFill>
+              </a:endParaRPr>
+            </a:p>
+            <a:p>
+              <a:pPr algn="ctr"/>
+              <a:r>
+                <a:rPr lang="zh-CN" altLang="en-US" sz="1400" b="1" dirty="0">
+                  <a:solidFill>
+                    <a:sysClr val="windowText" lastClr="000000"/>
+                  </a:solidFill>
+                </a:rPr>
+                <a:t>基于结构保持的非配对图像质量提升</a:t>
+              </a:r>
+            </a:p>
+            <a:p>
+              <a:pPr algn="ctr"/>
+              <a:endParaRPr lang="en-US" altLang="zh-CN" b="1" dirty="0">
+                <a:solidFill>
+                  <a:sysClr val="windowText" lastClr="000000"/>
+                </a:solidFill>
+              </a:endParaRPr>
+            </a:p>
+          </p:txBody>
+        </p:sp>
+        <p:sp>
+          <p:nvSpPr>
+            <p:cNvPr id="7" name="矩形 6">
+              <a:extLst>
+                <a:ext uri="{FF2B5EF4-FFF2-40B4-BE49-F238E27FC236}">
+                  <a16:creationId xmlns:a16="http://schemas.microsoft.com/office/drawing/2014/main" id="{5835C0BC-A7A4-3E4F-322C-35E7902677F5}"/>
+                </a:ext>
+              </a:extLst>
+            </p:cNvPr>
+            <p:cNvSpPr/>
+            <p:nvPr/>
+          </p:nvSpPr>
+          <p:spPr>
+            <a:xfrm>
+              <a:off x="8238308" y="1915884"/>
+              <a:ext cx="3396343" cy="627017"/>
+            </a:xfrm>
+            <a:prstGeom prst="rect">
+              <a:avLst/>
+            </a:prstGeom>
+            <a:solidFill>
+              <a:schemeClr val="accent2">
+                <a:lumMod val="20000"/>
+                <a:lumOff val="80000"/>
+              </a:schemeClr>
+            </a:solidFill>
+            <a:ln>
+              <a:solidFill>
+                <a:schemeClr val="accent4">
+                  <a:lumMod val="60000"/>
+                  <a:lumOff val="40000"/>
+                </a:schemeClr>
+              </a:solidFill>
+            </a:ln>
+          </p:spPr>
+          <p:style>
+            <a:lnRef idx="2">
+              <a:schemeClr val="accent1">
+                <a:shade val="15000"/>
+              </a:schemeClr>
+            </a:lnRef>
+            <a:fillRef idx="1">
+              <a:schemeClr val="accent1"/>
+            </a:fillRef>
+            <a:effectRef idx="0">
+              <a:schemeClr val="accent1"/>
+            </a:effectRef>
+            <a:fontRef idx="minor">
+              <a:schemeClr val="lt1"/>
+            </a:fontRef>
+          </p:style>
+          <p:txBody>
+            <a:bodyPr rtlCol="0" anchor="ctr"/>
+            <a:lstStyle/>
+            <a:p>
+              <a:pPr algn="ctr"/>
+              <a:endParaRPr lang="en-US" altLang="zh-CN" b="1" dirty="0">
+                <a:solidFill>
+                  <a:sysClr val="windowText" lastClr="000000"/>
+                </a:solidFill>
+              </a:endParaRPr>
+            </a:p>
+            <a:p>
+              <a:pPr algn="ctr"/>
+              <a:r>
+                <a:rPr lang="zh-CN" altLang="en-US" b="1" dirty="0">
+                  <a:solidFill>
+                    <a:sysClr val="windowText" lastClr="000000"/>
+                  </a:solidFill>
+                </a:rPr>
+                <a:t>第四章</a:t>
+              </a:r>
+              <a:endParaRPr lang="en-US" altLang="zh-CN" b="1" dirty="0">
+                <a:solidFill>
+                  <a:sysClr val="windowText" lastClr="000000"/>
+                </a:solidFill>
+              </a:endParaRPr>
+            </a:p>
+            <a:p>
+              <a:pPr algn="ctr"/>
+              <a:r>
+                <a:rPr lang="zh-CN" altLang="en-US" sz="1400" b="1" dirty="0">
+                  <a:solidFill>
+                    <a:sysClr val="windowText" lastClr="000000"/>
+                  </a:solidFill>
+                </a:rPr>
+                <a:t>基于多源特征联合优化的原子定位</a:t>
+              </a:r>
+            </a:p>
+            <a:p>
+              <a:pPr algn="ctr"/>
+              <a:endParaRPr lang="en-US" altLang="zh-CN" b="1" dirty="0">
+                <a:solidFill>
+                  <a:sysClr val="windowText" lastClr="000000"/>
+                </a:solidFill>
+              </a:endParaRPr>
+            </a:p>
+          </p:txBody>
+        </p:sp>
+        <p:sp>
+          <p:nvSpPr>
+            <p:cNvPr id="8" name="矩形 7">
+              <a:extLst>
+                <a:ext uri="{FF2B5EF4-FFF2-40B4-BE49-F238E27FC236}">
+                  <a16:creationId xmlns:a16="http://schemas.microsoft.com/office/drawing/2014/main" id="{5FDA9898-FCC1-9D82-D45E-03F630C16C6D}"/>
+                </a:ext>
+              </a:extLst>
+            </p:cNvPr>
+            <p:cNvSpPr/>
+            <p:nvPr/>
+          </p:nvSpPr>
+          <p:spPr>
+            <a:xfrm>
+              <a:off x="5799907" y="2913013"/>
+              <a:ext cx="3396343" cy="573138"/>
+            </a:xfrm>
+            <a:prstGeom prst="rect">
+              <a:avLst/>
+            </a:prstGeom>
+            <a:solidFill>
+              <a:schemeClr val="accent6">
+                <a:lumMod val="20000"/>
+                <a:lumOff val="80000"/>
+              </a:schemeClr>
+            </a:solidFill>
+            <a:ln>
+              <a:solidFill>
+                <a:schemeClr val="accent4">
+                  <a:lumMod val="60000"/>
+                  <a:lumOff val="40000"/>
+                </a:schemeClr>
+              </a:solidFill>
+            </a:ln>
+          </p:spPr>
+          <p:style>
+            <a:lnRef idx="2">
+              <a:schemeClr val="accent1">
+                <a:shade val="15000"/>
+              </a:schemeClr>
+            </a:lnRef>
+            <a:fillRef idx="1">
+              <a:schemeClr val="accent1"/>
+            </a:fillRef>
+            <a:effectRef idx="0">
+              <a:schemeClr val="accent1"/>
+            </a:effectRef>
+            <a:fontRef idx="minor">
+              <a:schemeClr val="lt1"/>
+            </a:fontRef>
+          </p:style>
+          <p:txBody>
+            <a:bodyPr rtlCol="0" anchor="ctr"/>
+            <a:lstStyle/>
+            <a:p>
+              <a:pPr algn="ctr"/>
+              <a:endParaRPr lang="en-US" altLang="zh-CN" b="1" dirty="0">
+                <a:solidFill>
+                  <a:sysClr val="windowText" lastClr="000000"/>
+                </a:solidFill>
+              </a:endParaRPr>
+            </a:p>
+            <a:p>
+              <a:pPr algn="ctr"/>
+              <a:r>
+                <a:rPr lang="zh-CN" altLang="en-US" b="1" dirty="0">
+                  <a:solidFill>
+                    <a:sysClr val="windowText" lastClr="000000"/>
+                  </a:solidFill>
+                </a:rPr>
+                <a:t>第五章</a:t>
+              </a:r>
+              <a:endParaRPr lang="en-US" altLang="zh-CN" b="1" dirty="0">
+                <a:solidFill>
+                  <a:sysClr val="windowText" lastClr="000000"/>
+                </a:solidFill>
+              </a:endParaRPr>
+            </a:p>
+            <a:p>
+              <a:pPr algn="ctr"/>
+              <a:r>
+                <a:rPr lang="zh-CN" altLang="en-US" sz="1400" b="1" dirty="0">
+                  <a:solidFill>
+                    <a:sysClr val="windowText" lastClr="000000"/>
+                  </a:solidFill>
+                </a:rPr>
+                <a:t>原子级视频信息的动态提取分析系统</a:t>
+              </a:r>
+              <a:endParaRPr lang="en-US" altLang="zh-CN" sz="1400" b="1" dirty="0">
+                <a:solidFill>
+                  <a:sysClr val="windowText" lastClr="000000"/>
+                </a:solidFill>
+              </a:endParaRPr>
+            </a:p>
+            <a:p>
+              <a:pPr algn="ctr"/>
+              <a:endParaRPr lang="en-US" altLang="zh-CN" sz="1400" b="1" dirty="0">
+                <a:solidFill>
+                  <a:sysClr val="windowText" lastClr="000000"/>
+                </a:solidFill>
+              </a:endParaRPr>
+            </a:p>
+          </p:txBody>
+        </p:sp>
+        <p:sp>
+          <p:nvSpPr>
+            <p:cNvPr id="9" name="矩形 8">
+              <a:extLst>
+                <a:ext uri="{FF2B5EF4-FFF2-40B4-BE49-F238E27FC236}">
+                  <a16:creationId xmlns:a16="http://schemas.microsoft.com/office/drawing/2014/main" id="{EF8EA33E-6EA1-9471-F1EF-2036592234A1}"/>
+                </a:ext>
+              </a:extLst>
+            </p:cNvPr>
+            <p:cNvSpPr/>
+            <p:nvPr/>
+          </p:nvSpPr>
+          <p:spPr>
+            <a:xfrm>
+              <a:off x="5799907" y="3805633"/>
+              <a:ext cx="3396343" cy="435430"/>
+            </a:xfrm>
+            <a:prstGeom prst="rect">
+              <a:avLst/>
+            </a:prstGeom>
+            <a:solidFill>
+              <a:schemeClr val="bg2"/>
+            </a:solidFill>
+            <a:ln>
+              <a:solidFill>
+                <a:schemeClr val="accent4">
+                  <a:lumMod val="60000"/>
+                  <a:lumOff val="40000"/>
+                </a:schemeClr>
+              </a:solidFill>
+            </a:ln>
+          </p:spPr>
+          <p:style>
+            <a:lnRef idx="2">
+              <a:schemeClr val="accent1">
+                <a:shade val="15000"/>
+              </a:schemeClr>
+            </a:lnRef>
+            <a:fillRef idx="1">
+              <a:schemeClr val="accent1"/>
+            </a:fillRef>
+            <a:effectRef idx="0">
+              <a:schemeClr val="accent1"/>
+            </a:effectRef>
+            <a:fontRef idx="minor">
+              <a:schemeClr val="lt1"/>
+            </a:fontRef>
+          </p:style>
+          <p:txBody>
+            <a:bodyPr rtlCol="0" anchor="ctr"/>
+            <a:lstStyle/>
+            <a:p>
+              <a:pPr algn="ctr"/>
+              <a:r>
+                <a:rPr lang="zh-CN" altLang="en-US" b="1" dirty="0">
+                  <a:solidFill>
+                    <a:sysClr val="windowText" lastClr="000000"/>
+                  </a:solidFill>
+                </a:rPr>
+                <a:t>第六章 总结与展望</a:t>
+              </a:r>
+              <a:endParaRPr lang="en-US" altLang="zh-CN" b="1" dirty="0">
+                <a:solidFill>
+                  <a:sysClr val="windowText" lastClr="000000"/>
+                </a:solidFill>
+              </a:endParaRPr>
+            </a:p>
+          </p:txBody>
+        </p:sp>
+        <p:cxnSp>
+          <p:nvCxnSpPr>
+            <p:cNvPr id="11" name="直接箭头连接符 10">
+              <a:extLst>
+                <a:ext uri="{FF2B5EF4-FFF2-40B4-BE49-F238E27FC236}">
+                  <a16:creationId xmlns:a16="http://schemas.microsoft.com/office/drawing/2014/main" id="{8F8D5EF7-965E-E449-6CAD-06A9C9299158}"/>
+                </a:ext>
+              </a:extLst>
+            </p:cNvPr>
+            <p:cNvCxnSpPr>
+              <a:stCxn id="4" idx="2"/>
+              <a:endCxn id="5" idx="0"/>
+            </p:cNvCxnSpPr>
+            <p:nvPr/>
+          </p:nvCxnSpPr>
+          <p:spPr>
+            <a:xfrm>
+              <a:off x="7498080" y="853442"/>
+              <a:ext cx="0" cy="256901"/>
+            </a:xfrm>
+            <a:prstGeom prst="straightConnector1">
+              <a:avLst/>
+            </a:prstGeom>
+            <a:ln w="19050">
+              <a:solidFill>
+                <a:schemeClr val="tx1"/>
+              </a:solidFill>
+              <a:tailEnd type="triangle"/>
+            </a:ln>
+          </p:spPr>
+          <p:style>
+            <a:lnRef idx="1">
+              <a:schemeClr val="accent1"/>
+            </a:lnRef>
+            <a:fillRef idx="0">
+              <a:schemeClr val="accent1"/>
+            </a:fillRef>
+            <a:effectRef idx="0">
+              <a:schemeClr val="accent1"/>
+            </a:effectRef>
+            <a:fontRef idx="minor">
+              <a:schemeClr val="tx1"/>
+            </a:fontRef>
+          </p:style>
+        </p:cxnSp>
+        <p:sp>
+          <p:nvSpPr>
+            <p:cNvPr id="12" name="左大括号 11">
+              <a:extLst>
+                <a:ext uri="{FF2B5EF4-FFF2-40B4-BE49-F238E27FC236}">
+                  <a16:creationId xmlns:a16="http://schemas.microsoft.com/office/drawing/2014/main" id="{B509AAF1-2D5A-6B4E-39AE-449A05582310}"/>
+                </a:ext>
+              </a:extLst>
+            </p:cNvPr>
+            <p:cNvSpPr/>
+            <p:nvPr/>
+          </p:nvSpPr>
+          <p:spPr>
+            <a:xfrm rot="5400000">
+              <a:off x="7425146" y="-778326"/>
+              <a:ext cx="283029" cy="5000902"/>
+            </a:xfrm>
+            <a:prstGeom prst="leftBrace">
+              <a:avLst/>
+            </a:prstGeom>
+            <a:ln w="19050">
+              <a:solidFill>
+                <a:schemeClr val="tx1"/>
+              </a:solidFill>
+            </a:ln>
+          </p:spPr>
+          <p:style>
+            <a:lnRef idx="1">
+              <a:schemeClr val="accent1"/>
+            </a:lnRef>
+            <a:fillRef idx="0">
+              <a:schemeClr val="accent1"/>
+            </a:fillRef>
+            <a:effectRef idx="0">
+              <a:schemeClr val="accent1"/>
+            </a:effectRef>
+            <a:fontRef idx="minor">
+              <a:schemeClr val="tx1"/>
+            </a:fontRef>
+          </p:style>
+          <p:txBody>
+            <a:bodyPr rtlCol="0" anchor="ctr"/>
+            <a:lstStyle/>
+            <a:p>
+              <a:pPr algn="ctr"/>
+              <a:endParaRPr lang="zh-CN" altLang="en-US"/>
+            </a:p>
+          </p:txBody>
+        </p:sp>
+        <p:sp>
+          <p:nvSpPr>
+            <p:cNvPr id="13" name="左大括号 12">
+              <a:extLst>
+                <a:ext uri="{FF2B5EF4-FFF2-40B4-BE49-F238E27FC236}">
+                  <a16:creationId xmlns:a16="http://schemas.microsoft.com/office/drawing/2014/main" id="{8982BAC2-E085-3E24-AE0C-16CF6BA8B3FA}"/>
+                </a:ext>
+              </a:extLst>
+            </p:cNvPr>
+            <p:cNvSpPr/>
+            <p:nvPr/>
+          </p:nvSpPr>
+          <p:spPr>
+            <a:xfrm rot="16200000">
+              <a:off x="7425147" y="275416"/>
+              <a:ext cx="283029" cy="5000902"/>
+            </a:xfrm>
+            <a:prstGeom prst="leftBrace">
+              <a:avLst/>
+            </a:prstGeom>
+            <a:ln w="19050">
+              <a:solidFill>
+                <a:schemeClr val="tx1"/>
+              </a:solidFill>
+            </a:ln>
+          </p:spPr>
+          <p:style>
+            <a:lnRef idx="1">
+              <a:schemeClr val="accent1"/>
+            </a:lnRef>
+            <a:fillRef idx="0">
+              <a:schemeClr val="accent1"/>
+            </a:fillRef>
+            <a:effectRef idx="0">
+              <a:schemeClr val="accent1"/>
+            </a:effectRef>
+            <a:fontRef idx="minor">
+              <a:schemeClr val="tx1"/>
+            </a:fontRef>
+          </p:style>
+          <p:txBody>
+            <a:bodyPr rtlCol="0" anchor="ctr"/>
+            <a:lstStyle/>
+            <a:p>
+              <a:pPr algn="ctr"/>
+              <a:endParaRPr lang="zh-CN" altLang="en-US"/>
+            </a:p>
+          </p:txBody>
+        </p:sp>
+        <p:cxnSp>
+          <p:nvCxnSpPr>
+            <p:cNvPr id="15" name="直接箭头连接符 14">
+              <a:extLst>
+                <a:ext uri="{FF2B5EF4-FFF2-40B4-BE49-F238E27FC236}">
+                  <a16:creationId xmlns:a16="http://schemas.microsoft.com/office/drawing/2014/main" id="{9471DB7A-24CF-397F-CF5F-F236D0BDD5DE}"/>
+                </a:ext>
+              </a:extLst>
+            </p:cNvPr>
+            <p:cNvCxnSpPr>
+              <a:cxnSpLocks/>
+              <a:endCxn id="9" idx="0"/>
+            </p:cNvCxnSpPr>
+            <p:nvPr/>
+          </p:nvCxnSpPr>
+          <p:spPr>
+            <a:xfrm>
+              <a:off x="7498079" y="3614738"/>
+              <a:ext cx="0" cy="190895"/>
+            </a:xfrm>
+            <a:prstGeom prst="straightConnector1">
+              <a:avLst/>
+            </a:prstGeom>
+            <a:ln w="19050">
+              <a:solidFill>
+                <a:schemeClr val="tx1"/>
+              </a:solidFill>
+              <a:tailEnd type="triangle"/>
+            </a:ln>
+          </p:spPr>
+          <p:style>
+            <a:lnRef idx="1">
+              <a:schemeClr val="accent1"/>
+            </a:lnRef>
+            <a:fillRef idx="0">
+              <a:schemeClr val="accent1"/>
+            </a:fillRef>
+            <a:effectRef idx="0">
+              <a:schemeClr val="accent1"/>
+            </a:effectRef>
+            <a:fontRef idx="minor">
+              <a:schemeClr val="tx1"/>
+            </a:fontRef>
+          </p:style>
+        </p:cxnSp>
+        <p:sp>
+          <p:nvSpPr>
+            <p:cNvPr id="17" name="矩形: 圆角 16">
+              <a:extLst>
+                <a:ext uri="{FF2B5EF4-FFF2-40B4-BE49-F238E27FC236}">
+                  <a16:creationId xmlns:a16="http://schemas.microsoft.com/office/drawing/2014/main" id="{529D6942-D24F-A69C-6603-F51C6D7C3A71}"/>
+                </a:ext>
+              </a:extLst>
+            </p:cNvPr>
+            <p:cNvSpPr/>
+            <p:nvPr/>
+          </p:nvSpPr>
+          <p:spPr>
+            <a:xfrm>
+              <a:off x="3352800" y="1580610"/>
+              <a:ext cx="8377646" cy="2013490"/>
+            </a:xfrm>
+            <a:prstGeom prst="roundRect">
+              <a:avLst/>
+            </a:prstGeom>
+            <a:noFill/>
+            <a:ln w="19050">
+              <a:prstDash val="dash"/>
+            </a:ln>
+          </p:spPr>
+          <p:style>
+            <a:lnRef idx="2">
+              <a:schemeClr val="accent1">
+                <a:shade val="15000"/>
+              </a:schemeClr>
+            </a:lnRef>
+            <a:fillRef idx="1">
+              <a:schemeClr val="accent1"/>
+            </a:fillRef>
+            <a:effectRef idx="0">
+              <a:schemeClr val="accent1"/>
+            </a:effectRef>
+            <a:fontRef idx="minor">
+              <a:schemeClr val="lt1"/>
+            </a:fontRef>
+          </p:style>
+          <p:txBody>
+            <a:bodyPr rtlCol="0" anchor="ctr"/>
+            <a:lstStyle/>
+            <a:p>
+              <a:pPr algn="ctr"/>
+              <a:endParaRPr lang="zh-CN" altLang="en-US"/>
+            </a:p>
+          </p:txBody>
+        </p:sp>
+      </p:grpSp>
+    </p:spTree>
+    <p:extLst>
+      <p:ext uri="{BB962C8B-B14F-4D97-AF65-F5344CB8AC3E}">
+        <p14:creationId xmlns:p14="http://schemas.microsoft.com/office/powerpoint/2010/main" val="2590530799"/>
       </p:ext>
     </p:extLst>
   </p:cSld>
